--- a/lectures/07-DenoKV.pptx
+++ b/lectures/07-DenoKV.pptx
@@ -5,7 +5,7 @@
     <p:sldMasterId id="2147483665" r:id="rId1"/>
   </p:sldMasterIdLst>
   <p:notesMasterIdLst>
-    <p:notesMasterId r:id="rId18"/>
+    <p:notesMasterId r:id="rId23"/>
   </p:notesMasterIdLst>
   <p:sldIdLst>
     <p:sldId id="262" r:id="rId2"/>
@@ -22,8 +22,13 @@
     <p:sldId id="329" r:id="rId13"/>
     <p:sldId id="330" r:id="rId14"/>
     <p:sldId id="331" r:id="rId15"/>
-    <p:sldId id="318" r:id="rId16"/>
-    <p:sldId id="305" r:id="rId17"/>
+    <p:sldId id="332" r:id="rId16"/>
+    <p:sldId id="333" r:id="rId17"/>
+    <p:sldId id="334" r:id="rId18"/>
+    <p:sldId id="376" r:id="rId19"/>
+    <p:sldId id="375" r:id="rId20"/>
+    <p:sldId id="318" r:id="rId21"/>
+    <p:sldId id="305" r:id="rId22"/>
   </p:sldIdLst>
   <p:sldSz cx="12192000" cy="6858000"/>
   <p:notesSz cx="6858000" cy="9144000"/>
@@ -212,7 +217,7 @@
           <a:p>
             <a:fld id="{D64FD9CB-4A92-F546-B771-54FD0AAB9887}" type="datetimeFigureOut">
               <a:rPr lang="en-US" smtClean="0"/>
-              <a:t>6/29/25</a:t>
+              <a:t>6/30/25</a:t>
             </a:fld>
             <a:endParaRPr lang="en-US"/>
           </a:p>
@@ -479,6 +484,285 @@
 </p:notesMaster>
 </file>
 
+<file path=ppt/notesSlides/notesSlide1.xml><?xml version="1.0" encoding="utf-8"?>
+<p:notes xmlns:a="http://schemas.openxmlformats.org/drawingml/2006/main" xmlns:r="http://schemas.openxmlformats.org/officeDocument/2006/relationships" xmlns:p="http://schemas.openxmlformats.org/presentationml/2006/main">
+  <p:cSld>
+    <p:spTree>
+      <p:nvGrpSpPr>
+        <p:cNvPr id="1" name=""/>
+        <p:cNvGrpSpPr/>
+        <p:nvPr/>
+      </p:nvGrpSpPr>
+      <p:grpSpPr>
+        <a:xfrm>
+          <a:off x="0" y="0"/>
+          <a:ext cx="0" cy="0"/>
+          <a:chOff x="0" y="0"/>
+          <a:chExt cx="0" cy="0"/>
+        </a:xfrm>
+      </p:grpSpPr>
+      <p:sp>
+        <p:nvSpPr>
+          <p:cNvPr id="114690" name="Slide Image Placeholder 1">
+            <a:extLst>
+              <a:ext uri="{FF2B5EF4-FFF2-40B4-BE49-F238E27FC236}">
+                <a16:creationId xmlns:a16="http://schemas.microsoft.com/office/drawing/2014/main" id="{7F2E9AF7-8AD8-E0E6-920E-4DEAF2E4A5F9}"/>
+              </a:ext>
+            </a:extLst>
+          </p:cNvPr>
+          <p:cNvSpPr>
+            <a:spLocks noGrp="1" noRot="1" noChangeAspect="1" noTextEdit="1"/>
+          </p:cNvSpPr>
+          <p:nvPr>
+            <p:ph type="sldImg"/>
+          </p:nvPr>
+        </p:nvSpPr>
+        <p:spPr bwMode="auto">
+          <a:noFill/>
+          <a:ln>
+            <a:solidFill>
+              <a:srgbClr val="000000"/>
+            </a:solidFill>
+            <a:miter lim="800000"/>
+            <a:headEnd/>
+            <a:tailEnd/>
+          </a:ln>
+          <a:extLst>
+            <a:ext uri="{909E8E84-426E-40DD-AFC4-6F175D3DCCD1}">
+              <a14:hiddenFill xmlns:a14="http://schemas.microsoft.com/office/drawing/2010/main">
+                <a:solidFill>
+                  <a:srgbClr val="FFFFFF"/>
+                </a:solidFill>
+              </a14:hiddenFill>
+            </a:ext>
+          </a:extLst>
+        </p:spPr>
+      </p:sp>
+      <p:sp>
+        <p:nvSpPr>
+          <p:cNvPr id="114691" name="Notes Placeholder 2">
+            <a:extLst>
+              <a:ext uri="{FF2B5EF4-FFF2-40B4-BE49-F238E27FC236}">
+                <a16:creationId xmlns:a16="http://schemas.microsoft.com/office/drawing/2014/main" id="{A81A8F7C-DE32-6381-2646-459E54398B5F}"/>
+              </a:ext>
+            </a:extLst>
+          </p:cNvPr>
+          <p:cNvSpPr>
+            <a:spLocks noGrp="1"/>
+          </p:cNvSpPr>
+          <p:nvPr>
+            <p:ph type="body" idx="1"/>
+          </p:nvPr>
+        </p:nvSpPr>
+        <p:spPr bwMode="auto">
+          <a:noFill/>
+          <a:extLst>
+            <a:ext uri="{909E8E84-426E-40DD-AFC4-6F175D3DCCD1}">
+              <a14:hiddenFill xmlns:a14="http://schemas.microsoft.com/office/drawing/2010/main">
+                <a:solidFill>
+                  <a:srgbClr val="FFFFFF"/>
+                </a:solidFill>
+              </a14:hiddenFill>
+            </a:ext>
+            <a:ext uri="{91240B29-F687-4F45-9708-019B960494DF}">
+              <a14:hiddenLine xmlns:a14="http://schemas.microsoft.com/office/drawing/2010/main" w="9525">
+                <a:solidFill>
+                  <a:srgbClr val="000000"/>
+                </a:solidFill>
+                <a:miter lim="800000"/>
+                <a:headEnd/>
+                <a:tailEnd/>
+              </a14:hiddenLine>
+            </a:ext>
+          </a:extLst>
+        </p:spPr>
+        <p:txBody>
+          <a:bodyPr wrap="square" numCol="1" anchor="t" anchorCtr="0" compatLnSpc="1">
+            <a:prstTxWarp prst="textNoShape">
+              <a:avLst/>
+            </a:prstTxWarp>
+          </a:bodyPr>
+          <a:lstStyle/>
+          <a:p>
+            <a:pPr eaLnBrk="1" hangingPunct="1"/>
+            <a:endParaRPr lang="en-US" altLang="en-US"/>
+          </a:p>
+        </p:txBody>
+      </p:sp>
+      <p:sp>
+        <p:nvSpPr>
+          <p:cNvPr id="114692" name="Slide Number Placeholder 3">
+            <a:extLst>
+              <a:ext uri="{FF2B5EF4-FFF2-40B4-BE49-F238E27FC236}">
+                <a16:creationId xmlns:a16="http://schemas.microsoft.com/office/drawing/2014/main" id="{77C87E84-8AAF-0CEA-9414-683CE3ACACFD}"/>
+              </a:ext>
+            </a:extLst>
+          </p:cNvPr>
+          <p:cNvSpPr>
+            <a:spLocks noGrp="1"/>
+          </p:cNvSpPr>
+          <p:nvPr>
+            <p:ph type="sldNum" sz="quarter" idx="5"/>
+          </p:nvPr>
+        </p:nvSpPr>
+        <p:spPr bwMode="auto">
+          <a:noFill/>
+          <a:extLst>
+            <a:ext uri="{909E8E84-426E-40DD-AFC4-6F175D3DCCD1}">
+              <a14:hiddenFill xmlns:a14="http://schemas.microsoft.com/office/drawing/2010/main">
+                <a:solidFill>
+                  <a:srgbClr val="FFFFFF"/>
+                </a:solidFill>
+              </a14:hiddenFill>
+            </a:ext>
+            <a:ext uri="{91240B29-F687-4F45-9708-019B960494DF}">
+              <a14:hiddenLine xmlns:a14="http://schemas.microsoft.com/office/drawing/2010/main" w="9525">
+                <a:solidFill>
+                  <a:srgbClr val="000000"/>
+                </a:solidFill>
+                <a:miter lim="800000"/>
+                <a:headEnd/>
+                <a:tailEnd/>
+              </a14:hiddenLine>
+            </a:ext>
+          </a:extLst>
+        </p:spPr>
+        <p:txBody>
+          <a:bodyPr/>
+          <a:lstStyle>
+            <a:lvl1pPr>
+              <a:defRPr sz="3600">
+                <a:solidFill>
+                  <a:srgbClr val="FFFFFF"/>
+                </a:solidFill>
+                <a:latin typeface="Gill Sans" panose="020B0502020104020203" pitchFamily="34" charset="-79"/>
+                <a:ea typeface="ヒラギノ角ゴ ProN W3" pitchFamily="2" charset="-128"/>
+                <a:sym typeface="Gill Sans" panose="020B0502020104020203" pitchFamily="34" charset="-79"/>
+              </a:defRPr>
+            </a:lvl1pPr>
+            <a:lvl2pPr marL="742950" indent="-285750">
+              <a:defRPr sz="3600">
+                <a:solidFill>
+                  <a:srgbClr val="FFFFFF"/>
+                </a:solidFill>
+                <a:latin typeface="Gill Sans" panose="020B0502020104020203" pitchFamily="34" charset="-79"/>
+                <a:ea typeface="ヒラギノ角ゴ ProN W3" pitchFamily="2" charset="-128"/>
+                <a:sym typeface="Gill Sans" panose="020B0502020104020203" pitchFamily="34" charset="-79"/>
+              </a:defRPr>
+            </a:lvl2pPr>
+            <a:lvl3pPr marL="1143000" indent="-228600">
+              <a:defRPr sz="3600">
+                <a:solidFill>
+                  <a:srgbClr val="FFFFFF"/>
+                </a:solidFill>
+                <a:latin typeface="Gill Sans" panose="020B0502020104020203" pitchFamily="34" charset="-79"/>
+                <a:ea typeface="ヒラギノ角ゴ ProN W3" pitchFamily="2" charset="-128"/>
+                <a:sym typeface="Gill Sans" panose="020B0502020104020203" pitchFamily="34" charset="-79"/>
+              </a:defRPr>
+            </a:lvl3pPr>
+            <a:lvl4pPr marL="1600200" indent="-228600">
+              <a:defRPr sz="3600">
+                <a:solidFill>
+                  <a:srgbClr val="FFFFFF"/>
+                </a:solidFill>
+                <a:latin typeface="Gill Sans" panose="020B0502020104020203" pitchFamily="34" charset="-79"/>
+                <a:ea typeface="ヒラギノ角ゴ ProN W3" pitchFamily="2" charset="-128"/>
+                <a:sym typeface="Gill Sans" panose="020B0502020104020203" pitchFamily="34" charset="-79"/>
+              </a:defRPr>
+            </a:lvl4pPr>
+            <a:lvl5pPr marL="2057400" indent="-228600">
+              <a:defRPr sz="3600">
+                <a:solidFill>
+                  <a:srgbClr val="FFFFFF"/>
+                </a:solidFill>
+                <a:latin typeface="Gill Sans" panose="020B0502020104020203" pitchFamily="34" charset="-79"/>
+                <a:ea typeface="ヒラギノ角ゴ ProN W3" pitchFamily="2" charset="-128"/>
+                <a:sym typeface="Gill Sans" panose="020B0502020104020203" pitchFamily="34" charset="-79"/>
+              </a:defRPr>
+            </a:lvl5pPr>
+            <a:lvl6pPr marL="2514600" indent="-228600" eaLnBrk="0" fontAlgn="base" hangingPunct="0">
+              <a:spcBef>
+                <a:spcPct val="0"/>
+              </a:spcBef>
+              <a:spcAft>
+                <a:spcPct val="0"/>
+              </a:spcAft>
+              <a:defRPr sz="3600">
+                <a:solidFill>
+                  <a:srgbClr val="FFFFFF"/>
+                </a:solidFill>
+                <a:latin typeface="Gill Sans" panose="020B0502020104020203" pitchFamily="34" charset="-79"/>
+                <a:ea typeface="ヒラギノ角ゴ ProN W3" pitchFamily="2" charset="-128"/>
+                <a:sym typeface="Gill Sans" panose="020B0502020104020203" pitchFamily="34" charset="-79"/>
+              </a:defRPr>
+            </a:lvl6pPr>
+            <a:lvl7pPr marL="2971800" indent="-228600" eaLnBrk="0" fontAlgn="base" hangingPunct="0">
+              <a:spcBef>
+                <a:spcPct val="0"/>
+              </a:spcBef>
+              <a:spcAft>
+                <a:spcPct val="0"/>
+              </a:spcAft>
+              <a:defRPr sz="3600">
+                <a:solidFill>
+                  <a:srgbClr val="FFFFFF"/>
+                </a:solidFill>
+                <a:latin typeface="Gill Sans" panose="020B0502020104020203" pitchFamily="34" charset="-79"/>
+                <a:ea typeface="ヒラギノ角ゴ ProN W3" pitchFamily="2" charset="-128"/>
+                <a:sym typeface="Gill Sans" panose="020B0502020104020203" pitchFamily="34" charset="-79"/>
+              </a:defRPr>
+            </a:lvl7pPr>
+            <a:lvl8pPr marL="3429000" indent="-228600" eaLnBrk="0" fontAlgn="base" hangingPunct="0">
+              <a:spcBef>
+                <a:spcPct val="0"/>
+              </a:spcBef>
+              <a:spcAft>
+                <a:spcPct val="0"/>
+              </a:spcAft>
+              <a:defRPr sz="3600">
+                <a:solidFill>
+                  <a:srgbClr val="FFFFFF"/>
+                </a:solidFill>
+                <a:latin typeface="Gill Sans" panose="020B0502020104020203" pitchFamily="34" charset="-79"/>
+                <a:ea typeface="ヒラギノ角ゴ ProN W3" pitchFamily="2" charset="-128"/>
+                <a:sym typeface="Gill Sans" panose="020B0502020104020203" pitchFamily="34" charset="-79"/>
+              </a:defRPr>
+            </a:lvl8pPr>
+            <a:lvl9pPr marL="3886200" indent="-228600" eaLnBrk="0" fontAlgn="base" hangingPunct="0">
+              <a:spcBef>
+                <a:spcPct val="0"/>
+              </a:spcBef>
+              <a:spcAft>
+                <a:spcPct val="0"/>
+              </a:spcAft>
+              <a:defRPr sz="3600">
+                <a:solidFill>
+                  <a:srgbClr val="FFFFFF"/>
+                </a:solidFill>
+                <a:latin typeface="Gill Sans" panose="020B0502020104020203" pitchFamily="34" charset="-79"/>
+                <a:ea typeface="ヒラギノ角ゴ ProN W3" pitchFamily="2" charset="-128"/>
+                <a:sym typeface="Gill Sans" panose="020B0502020104020203" pitchFamily="34" charset="-79"/>
+              </a:defRPr>
+            </a:lvl9pPr>
+          </a:lstStyle>
+          <a:p>
+            <a:fld id="{A405CA73-642F-6942-B5F7-475CF981BDE4}" type="slidenum">
+              <a:rPr lang="en-US" altLang="en-US" sz="1200"/>
+              <a:pPr/>
+              <a:t>19</a:t>
+            </a:fld>
+            <a:endParaRPr lang="en-US" altLang="en-US" sz="1200"/>
+          </a:p>
+        </p:txBody>
+      </p:sp>
+    </p:spTree>
+  </p:cSld>
+  <p:clrMapOvr>
+    <a:masterClrMapping/>
+  </p:clrMapOvr>
+</p:notes>
+</file>
+
 <file path=ppt/slideLayouts/slideLayout1.xml><?xml version="1.0" encoding="utf-8"?>
 <p:sldLayout xmlns:a="http://schemas.openxmlformats.org/drawingml/2006/main" xmlns:r="http://schemas.openxmlformats.org/officeDocument/2006/relationships" xmlns:p="http://schemas.openxmlformats.org/presentationml/2006/main" preserve="1">
   <p:cSld name="Title Slide Darl">
@@ -940,7 +1224,7 @@
           <a:p>
             <a:fld id="{683AAC76-62B8-324E-99D6-0B7553E96005}" type="datetimeFigureOut">
               <a:rPr lang="en-US" smtClean="0"/>
-              <a:t>6/29/25</a:t>
+              <a:t>6/30/25</a:t>
             </a:fld>
             <a:endParaRPr lang="en-US"/>
           </a:p>
@@ -1077,7 +1361,7 @@
           <a:p>
             <a:fld id="{683AAC76-62B8-324E-99D6-0B7553E96005}" type="datetimeFigureOut">
               <a:rPr lang="en-US" smtClean="0"/>
-              <a:t>6/29/25</a:t>
+              <a:t>6/30/25</a:t>
             </a:fld>
             <a:endParaRPr lang="en-US"/>
           </a:p>
@@ -2067,7 +2351,7 @@
           <a:p>
             <a:fld id="{683AAC76-62B8-324E-99D6-0B7553E96005}" type="datetimeFigureOut">
               <a:rPr lang="en-US" smtClean="0"/>
-              <a:t>6/29/25</a:t>
+              <a:t>6/30/25</a:t>
             </a:fld>
             <a:endParaRPr lang="en-US"/>
           </a:p>
@@ -4830,7 +5114,13 @@
       </p:grpSpPr>
       <p:sp>
         <p:nvSpPr>
-          <p:cNvPr id="2" name="Title 1"/>
+          <p:cNvPr id="2" name="Title 1">
+            <a:extLst>
+              <a:ext uri="{FF2B5EF4-FFF2-40B4-BE49-F238E27FC236}">
+                <a16:creationId xmlns:a16="http://schemas.microsoft.com/office/drawing/2014/main" id="{29A7FDB0-B591-0F34-7B87-0E1F1845621C}"/>
+              </a:ext>
+            </a:extLst>
+          </p:cNvPr>
           <p:cNvSpPr>
             <a:spLocks noGrp="1"/>
           </p:cNvSpPr>
@@ -4840,19 +5130,27 @@
         </p:nvSpPr>
         <p:spPr/>
         <p:txBody>
-          <a:bodyPr/>
+          <a:bodyPr>
+            <a:normAutofit fontScale="90000"/>
+          </a:bodyPr>
           <a:lstStyle/>
           <a:p>
             <a:r>
               <a:rPr lang="en-US" dirty="0"/>
-              <a:t>Summary</a:t>
-            </a:r>
-          </a:p>
-        </p:txBody>
-      </p:sp>
-      <p:sp>
-        <p:nvSpPr>
-          <p:cNvPr id="3" name="Content Placeholder 2"/>
+              <a:t>Why Deno has Potential (for me)</a:t>
+            </a:r>
+          </a:p>
+        </p:txBody>
+      </p:sp>
+      <p:sp>
+        <p:nvSpPr>
+          <p:cNvPr id="3" name="Content Placeholder 2">
+            <a:extLst>
+              <a:ext uri="{FF2B5EF4-FFF2-40B4-BE49-F238E27FC236}">
+                <a16:creationId xmlns:a16="http://schemas.microsoft.com/office/drawing/2014/main" id="{F1821175-2D7A-0D3A-3134-CF773611C0CB}"/>
+              </a:ext>
+            </a:extLst>
+          </p:cNvPr>
           <p:cNvSpPr>
             <a:spLocks noGrp="1"/>
           </p:cNvSpPr>
@@ -4865,6 +5163,51 @@
           <a:bodyPr/>
           <a:lstStyle/>
           <a:p>
+            <a:r>
+              <a:rPr lang="en-US" dirty="0"/>
+              <a:t>So much built in</a:t>
+            </a:r>
+          </a:p>
+          <a:p>
+            <a:pPr lvl="1"/>
+            <a:r>
+              <a:rPr lang="en-US" dirty="0"/>
+              <a:t>Deno + Standard library</a:t>
+            </a:r>
+          </a:p>
+          <a:p>
+            <a:pPr lvl="1"/>
+            <a:r>
+              <a:rPr lang="en-US" dirty="0"/>
+              <a:t>Deno KV</a:t>
+            </a:r>
+          </a:p>
+          <a:p>
+            <a:pPr lvl="1"/>
+            <a:r>
+              <a:rPr lang="en-US" dirty="0"/>
+              <a:t>Deno KV Watch</a:t>
+            </a:r>
+          </a:p>
+          <a:p>
+            <a:r>
+              <a:rPr lang="en-US" dirty="0"/>
+              <a:t>Free Deno Deploy </a:t>
+            </a:r>
+          </a:p>
+          <a:p>
+            <a:r>
+              <a:rPr lang="en-US" dirty="0"/>
+              <a:t>Distributed Deno KV and KV Watch built in</a:t>
+            </a:r>
+          </a:p>
+          <a:p>
+            <a:r>
+              <a:rPr lang="en-US" dirty="0"/>
+              <a:t>Low cost distributed notifications are important in educational applications</a:t>
+            </a:r>
+          </a:p>
+          <a:p>
             <a:endParaRPr lang="en-US" dirty="0"/>
           </a:p>
         </p:txBody>
@@ -4872,7 +5215,7 @@
     </p:spTree>
     <p:extLst>
       <p:ext uri="{BB962C8B-B14F-4D97-AF65-F5344CB8AC3E}">
-        <p14:creationId xmlns:p14="http://schemas.microsoft.com/office/powerpoint/2010/main" val="572890213"/>
+        <p14:creationId xmlns:p14="http://schemas.microsoft.com/office/powerpoint/2010/main" val="499072520"/>
       </p:ext>
     </p:extLst>
   </p:cSld>
@@ -4883,6 +5226,1200 @@
 </file>
 
 <file path=ppt/slides/slide16.xml><?xml version="1.0" encoding="utf-8"?>
+<p:sld xmlns:a="http://schemas.openxmlformats.org/drawingml/2006/main" xmlns:r="http://schemas.openxmlformats.org/officeDocument/2006/relationships" xmlns:p="http://schemas.openxmlformats.org/presentationml/2006/main">
+  <p:cSld>
+    <p:spTree>
+      <p:nvGrpSpPr>
+        <p:cNvPr id="1" name="">
+          <a:extLst>
+            <a:ext uri="{FF2B5EF4-FFF2-40B4-BE49-F238E27FC236}">
+              <a16:creationId xmlns:a16="http://schemas.microsoft.com/office/drawing/2014/main" id="{81E6FCA7-BF76-B774-0379-D72CDDFDF2C6}"/>
+            </a:ext>
+          </a:extLst>
+        </p:cNvPr>
+        <p:cNvGrpSpPr/>
+        <p:nvPr/>
+      </p:nvGrpSpPr>
+      <p:grpSpPr>
+        <a:xfrm>
+          <a:off x="0" y="0"/>
+          <a:ext cx="0" cy="0"/>
+          <a:chOff x="0" y="0"/>
+          <a:chExt cx="0" cy="0"/>
+        </a:xfrm>
+      </p:grpSpPr>
+      <p:sp>
+        <p:nvSpPr>
+          <p:cNvPr id="2" name="Title 1">
+            <a:extLst>
+              <a:ext uri="{FF2B5EF4-FFF2-40B4-BE49-F238E27FC236}">
+                <a16:creationId xmlns:a16="http://schemas.microsoft.com/office/drawing/2014/main" id="{5AEC9D8A-BB53-8E30-AE18-9A8F1BF511DD}"/>
+              </a:ext>
+            </a:extLst>
+          </p:cNvPr>
+          <p:cNvSpPr>
+            <a:spLocks noGrp="1"/>
+          </p:cNvSpPr>
+          <p:nvPr>
+            <p:ph type="title"/>
+          </p:nvPr>
+        </p:nvSpPr>
+        <p:spPr/>
+        <p:txBody>
+          <a:bodyPr>
+            <a:normAutofit/>
+          </a:bodyPr>
+          <a:lstStyle/>
+          <a:p>
+            <a:r>
+              <a:rPr lang="en-US" dirty="0"/>
+              <a:t>Our </a:t>
+            </a:r>
+            <a:r>
+              <a:rPr lang="en-US" dirty="0" err="1"/>
+              <a:t>deno.com</a:t>
+            </a:r>
+            <a:r>
+              <a:rPr lang="en-US" dirty="0"/>
+              <a:t> KV Experiment</a:t>
+            </a:r>
+          </a:p>
+        </p:txBody>
+      </p:sp>
+      <p:cxnSp>
+        <p:nvCxnSpPr>
+          <p:cNvPr id="91" name="Straight Connector 90">
+            <a:extLst>
+              <a:ext uri="{FF2B5EF4-FFF2-40B4-BE49-F238E27FC236}">
+                <a16:creationId xmlns:a16="http://schemas.microsoft.com/office/drawing/2014/main" id="{8AC7C479-829C-8A59-9AB1-821DB707DA82}"/>
+              </a:ext>
+            </a:extLst>
+          </p:cNvPr>
+          <p:cNvCxnSpPr>
+            <a:cxnSpLocks/>
+            <a:stCxn id="16" idx="3"/>
+            <a:endCxn id="31" idx="1"/>
+          </p:cNvCxnSpPr>
+          <p:nvPr/>
+        </p:nvCxnSpPr>
+        <p:spPr>
+          <a:xfrm>
+            <a:off x="5694990" y="2712839"/>
+            <a:ext cx="1789175" cy="349336"/>
+          </a:xfrm>
+          <a:prstGeom prst="line">
+            <a:avLst/>
+          </a:prstGeom>
+          <a:ln w="38100"/>
+        </p:spPr>
+        <p:style>
+          <a:lnRef idx="1">
+            <a:schemeClr val="accent1"/>
+          </a:lnRef>
+          <a:fillRef idx="0">
+            <a:schemeClr val="accent1"/>
+          </a:fillRef>
+          <a:effectRef idx="0">
+            <a:schemeClr val="accent1"/>
+          </a:effectRef>
+          <a:fontRef idx="minor">
+            <a:schemeClr val="tx1"/>
+          </a:fontRef>
+        </p:style>
+      </p:cxnSp>
+      <p:sp>
+        <p:nvSpPr>
+          <p:cNvPr id="16" name="Rectangle 15">
+            <a:extLst>
+              <a:ext uri="{FF2B5EF4-FFF2-40B4-BE49-F238E27FC236}">
+                <a16:creationId xmlns:a16="http://schemas.microsoft.com/office/drawing/2014/main" id="{294C18EA-C40B-C3BB-939A-AB8306DC7F35}"/>
+              </a:ext>
+            </a:extLst>
+          </p:cNvPr>
+          <p:cNvSpPr/>
+          <p:nvPr/>
+        </p:nvSpPr>
+        <p:spPr>
+          <a:xfrm>
+            <a:off x="838199" y="1657545"/>
+            <a:ext cx="4856791" cy="2110587"/>
+          </a:xfrm>
+          <a:prstGeom prst="rect">
+            <a:avLst/>
+          </a:prstGeom>
+          <a:solidFill>
+            <a:schemeClr val="bg1"/>
+          </a:solidFill>
+          <a:ln>
+            <a:solidFill>
+              <a:schemeClr val="tx1"/>
+            </a:solidFill>
+          </a:ln>
+        </p:spPr>
+        <p:style>
+          <a:lnRef idx="2">
+            <a:schemeClr val="accent1">
+              <a:shade val="15000"/>
+            </a:schemeClr>
+          </a:lnRef>
+          <a:fillRef idx="1">
+            <a:schemeClr val="accent1"/>
+          </a:fillRef>
+          <a:effectRef idx="0">
+            <a:schemeClr val="accent1"/>
+          </a:effectRef>
+          <a:fontRef idx="minor">
+            <a:schemeClr val="lt1"/>
+          </a:fontRef>
+        </p:style>
+        <p:txBody>
+          <a:bodyPr rtlCol="0" anchor="ctr"/>
+          <a:lstStyle/>
+          <a:p>
+            <a:r>
+              <a:rPr lang="en-US" b="1" dirty="0">
+                <a:solidFill>
+                  <a:schemeClr val="tx1"/>
+                </a:solidFill>
+                <a:latin typeface="Courier New" panose="02070309020205020404" pitchFamily="49" charset="0"/>
+                <a:cs typeface="Courier New" panose="02070309020205020404" pitchFamily="49" charset="0"/>
+              </a:rPr>
+              <a:t>$ python </a:t>
+            </a:r>
+            <a:r>
+              <a:rPr lang="en-US" b="1" dirty="0" err="1">
+                <a:solidFill>
+                  <a:schemeClr val="tx1"/>
+                </a:solidFill>
+                <a:latin typeface="Courier New" panose="02070309020205020404" pitchFamily="49" charset="0"/>
+                <a:cs typeface="Courier New" panose="02070309020205020404" pitchFamily="49" charset="0"/>
+              </a:rPr>
+              <a:t>kvadmin.py</a:t>
+            </a:r>
+            <a:r>
+              <a:rPr lang="en-US" b="1" dirty="0">
+                <a:solidFill>
+                  <a:schemeClr val="tx1"/>
+                </a:solidFill>
+                <a:latin typeface="Courier New" panose="02070309020205020404" pitchFamily="49" charset="0"/>
+                <a:cs typeface="Courier New" panose="02070309020205020404" pitchFamily="49" charset="0"/>
+              </a:rPr>
+              <a:t> </a:t>
+            </a:r>
+          </a:p>
+          <a:p>
+            <a:endParaRPr lang="en-US" b="1" dirty="0">
+              <a:solidFill>
+                <a:schemeClr val="tx1"/>
+              </a:solidFill>
+              <a:latin typeface="Courier New" panose="02070309020205020404" pitchFamily="49" charset="0"/>
+              <a:cs typeface="Courier New" panose="02070309020205020404" pitchFamily="49" charset="0"/>
+            </a:endParaRPr>
+          </a:p>
+          <a:p>
+            <a:r>
+              <a:rPr lang="en-US" b="1" dirty="0">
+                <a:solidFill>
+                  <a:schemeClr val="tx1"/>
+                </a:solidFill>
+                <a:latin typeface="Courier New" panose="02070309020205020404" pitchFamily="49" charset="0"/>
+                <a:cs typeface="Courier New" panose="02070309020205020404" pitchFamily="49" charset="0"/>
+              </a:rPr>
+              <a:t>Enter command: get /book/Hamlet</a:t>
+            </a:r>
+          </a:p>
+          <a:p>
+            <a:endParaRPr lang="en-US" b="1" dirty="0">
+              <a:solidFill>
+                <a:schemeClr val="tx1"/>
+              </a:solidFill>
+              <a:latin typeface="Courier New" panose="02070309020205020404" pitchFamily="49" charset="0"/>
+              <a:cs typeface="Courier New" panose="02070309020205020404" pitchFamily="49" charset="0"/>
+            </a:endParaRPr>
+          </a:p>
+          <a:p>
+            <a:r>
+              <a:rPr lang="en-US" b="1" dirty="0">
+                <a:solidFill>
+                  <a:schemeClr val="tx1"/>
+                </a:solidFill>
+                <a:latin typeface="Courier New" panose="02070309020205020404" pitchFamily="49" charset="0"/>
+                <a:cs typeface="Courier New" panose="02070309020205020404" pitchFamily="49" charset="0"/>
+              </a:rPr>
+              <a:t>{ "</a:t>
+            </a:r>
+            <a:r>
+              <a:rPr lang="en-US" b="1" dirty="0" err="1">
+                <a:solidFill>
+                  <a:schemeClr val="tx1"/>
+                </a:solidFill>
+                <a:latin typeface="Courier New" panose="02070309020205020404" pitchFamily="49" charset="0"/>
+                <a:cs typeface="Courier New" panose="02070309020205020404" pitchFamily="49" charset="0"/>
+              </a:rPr>
+              <a:t>title":"Hamlet</a:t>
+            </a:r>
+            <a:r>
+              <a:rPr lang="en-US" b="1" dirty="0">
+                <a:solidFill>
+                  <a:schemeClr val="tx1"/>
+                </a:solidFill>
+                <a:latin typeface="Courier New" panose="02070309020205020404" pitchFamily="49" charset="0"/>
+                <a:cs typeface="Courier New" panose="02070309020205020404" pitchFamily="49" charset="0"/>
+              </a:rPr>
+              <a:t>",</a:t>
+            </a:r>
+          </a:p>
+          <a:p>
+            <a:r>
+              <a:rPr lang="en-US" b="1" dirty="0">
+                <a:solidFill>
+                  <a:schemeClr val="tx1"/>
+                </a:solidFill>
+                <a:latin typeface="Courier New" panose="02070309020205020404" pitchFamily="49" charset="0"/>
+                <a:cs typeface="Courier New" panose="02070309020205020404" pitchFamily="49" charset="0"/>
+              </a:rPr>
+              <a:t>  "</a:t>
+            </a:r>
+            <a:r>
+              <a:rPr lang="en-US" b="1" dirty="0" err="1">
+                <a:solidFill>
+                  <a:schemeClr val="tx1"/>
+                </a:solidFill>
+                <a:latin typeface="Courier New" panose="02070309020205020404" pitchFamily="49" charset="0"/>
+                <a:cs typeface="Courier New" panose="02070309020205020404" pitchFamily="49" charset="0"/>
+              </a:rPr>
+              <a:t>author":"William</a:t>
+            </a:r>
+            <a:r>
+              <a:rPr lang="en-US" b="1" dirty="0">
+                <a:solidFill>
+                  <a:schemeClr val="tx1"/>
+                </a:solidFill>
+                <a:latin typeface="Courier New" panose="02070309020205020404" pitchFamily="49" charset="0"/>
+                <a:cs typeface="Courier New" panose="02070309020205020404" pitchFamily="49" charset="0"/>
+              </a:rPr>
+              <a:t> Shakespeare",</a:t>
+            </a:r>
+          </a:p>
+          <a:p>
+            <a:r>
+              <a:rPr lang="en-US" b="1" dirty="0">
+                <a:solidFill>
+                  <a:schemeClr val="tx1"/>
+                </a:solidFill>
+                <a:latin typeface="Courier New" panose="02070309020205020404" pitchFamily="49" charset="0"/>
+                <a:cs typeface="Courier New" panose="02070309020205020404" pitchFamily="49" charset="0"/>
+              </a:rPr>
+              <a:t>  "year":1600 }</a:t>
+            </a:r>
+          </a:p>
+        </p:txBody>
+      </p:sp>
+      <p:sp>
+        <p:nvSpPr>
+          <p:cNvPr id="30" name="Rectangle 29">
+            <a:extLst>
+              <a:ext uri="{FF2B5EF4-FFF2-40B4-BE49-F238E27FC236}">
+                <a16:creationId xmlns:a16="http://schemas.microsoft.com/office/drawing/2014/main" id="{88A469DF-EB61-AD65-CE1D-8EA60F683755}"/>
+              </a:ext>
+            </a:extLst>
+          </p:cNvPr>
+          <p:cNvSpPr/>
+          <p:nvPr/>
+        </p:nvSpPr>
+        <p:spPr>
+          <a:xfrm>
+            <a:off x="5865811" y="3078911"/>
+            <a:ext cx="1062768" cy="845783"/>
+          </a:xfrm>
+          <a:prstGeom prst="rect">
+            <a:avLst/>
+          </a:prstGeom>
+          <a:solidFill>
+            <a:schemeClr val="bg1"/>
+          </a:solidFill>
+          <a:ln>
+            <a:noFill/>
+          </a:ln>
+        </p:spPr>
+        <p:style>
+          <a:lnRef idx="2">
+            <a:schemeClr val="accent1">
+              <a:shade val="15000"/>
+            </a:schemeClr>
+          </a:lnRef>
+          <a:fillRef idx="1">
+            <a:schemeClr val="accent1"/>
+          </a:fillRef>
+          <a:effectRef idx="0">
+            <a:schemeClr val="accent1"/>
+          </a:effectRef>
+          <a:fontRef idx="minor">
+            <a:schemeClr val="lt1"/>
+          </a:fontRef>
+        </p:style>
+        <p:txBody>
+          <a:bodyPr rtlCol="0" anchor="ctr"/>
+          <a:lstStyle/>
+          <a:p>
+            <a:pPr algn="ctr"/>
+            <a:r>
+              <a:rPr lang="en-US" dirty="0">
+                <a:solidFill>
+                  <a:schemeClr val="tx1"/>
+                </a:solidFill>
+              </a:rPr>
+              <a:t>Web</a:t>
+            </a:r>
+          </a:p>
+          <a:p>
+            <a:pPr algn="ctr"/>
+            <a:r>
+              <a:rPr lang="en-US" dirty="0">
+                <a:solidFill>
+                  <a:schemeClr val="tx1"/>
+                </a:solidFill>
+              </a:rPr>
+              <a:t>Services</a:t>
+            </a:r>
+          </a:p>
+        </p:txBody>
+      </p:sp>
+      <p:grpSp>
+        <p:nvGrpSpPr>
+          <p:cNvPr id="23" name="Group 22">
+            <a:extLst>
+              <a:ext uri="{FF2B5EF4-FFF2-40B4-BE49-F238E27FC236}">
+                <a16:creationId xmlns:a16="http://schemas.microsoft.com/office/drawing/2014/main" id="{F1011F7E-2B76-B5DD-A2D4-53C1235D51FC}"/>
+              </a:ext>
+            </a:extLst>
+          </p:cNvPr>
+          <p:cNvGrpSpPr/>
+          <p:nvPr/>
+        </p:nvGrpSpPr>
+        <p:grpSpPr>
+          <a:xfrm>
+            <a:off x="7484165" y="1289819"/>
+            <a:ext cx="2212493" cy="749998"/>
+            <a:chOff x="7484165" y="1530979"/>
+            <a:chExt cx="2212493" cy="749998"/>
+          </a:xfrm>
+        </p:grpSpPr>
+        <p:sp>
+          <p:nvSpPr>
+            <p:cNvPr id="19" name="Rectangle 18">
+              <a:extLst>
+                <a:ext uri="{FF2B5EF4-FFF2-40B4-BE49-F238E27FC236}">
+                  <a16:creationId xmlns:a16="http://schemas.microsoft.com/office/drawing/2014/main" id="{A7D71CA2-61E7-79D2-C03D-DC7139C1F68F}"/>
+                </a:ext>
+              </a:extLst>
+            </p:cNvPr>
+            <p:cNvSpPr/>
+            <p:nvPr/>
+          </p:nvSpPr>
+          <p:spPr>
+            <a:xfrm>
+              <a:off x="7484165" y="1530979"/>
+              <a:ext cx="2212493" cy="749998"/>
+            </a:xfrm>
+            <a:prstGeom prst="rect">
+              <a:avLst/>
+            </a:prstGeom>
+            <a:solidFill>
+              <a:schemeClr val="accent2">
+                <a:lumMod val="50000"/>
+              </a:schemeClr>
+            </a:solidFill>
+          </p:spPr>
+          <p:style>
+            <a:lnRef idx="2">
+              <a:schemeClr val="accent1">
+                <a:shade val="15000"/>
+              </a:schemeClr>
+            </a:lnRef>
+            <a:fillRef idx="1">
+              <a:schemeClr val="accent1"/>
+            </a:fillRef>
+            <a:effectRef idx="0">
+              <a:schemeClr val="accent1"/>
+            </a:effectRef>
+            <a:fontRef idx="minor">
+              <a:schemeClr val="lt1"/>
+            </a:fontRef>
+          </p:style>
+          <p:txBody>
+            <a:bodyPr rtlCol="0" anchor="ctr"/>
+            <a:lstStyle/>
+            <a:p>
+              <a:r>
+                <a:rPr lang="en-US" dirty="0"/>
+                <a:t>JavaScript</a:t>
+              </a:r>
+            </a:p>
+            <a:p>
+              <a:r>
+                <a:rPr lang="en-US" dirty="0"/>
+                <a:t>KV</a:t>
+              </a:r>
+            </a:p>
+          </p:txBody>
+        </p:sp>
+        <p:sp>
+          <p:nvSpPr>
+            <p:cNvPr id="14" name="Can 13">
+              <a:extLst>
+                <a:ext uri="{FF2B5EF4-FFF2-40B4-BE49-F238E27FC236}">
+                  <a16:creationId xmlns:a16="http://schemas.microsoft.com/office/drawing/2014/main" id="{7B020FF2-FAAA-0303-FC84-A555760EC482}"/>
+                </a:ext>
+              </a:extLst>
+            </p:cNvPr>
+            <p:cNvSpPr/>
+            <p:nvPr/>
+          </p:nvSpPr>
+          <p:spPr>
+            <a:xfrm>
+              <a:off x="8701873" y="1710064"/>
+              <a:ext cx="823965" cy="424877"/>
+            </a:xfrm>
+            <a:prstGeom prst="can">
+              <a:avLst/>
+            </a:prstGeom>
+          </p:spPr>
+          <p:style>
+            <a:lnRef idx="2">
+              <a:schemeClr val="accent1">
+                <a:shade val="15000"/>
+              </a:schemeClr>
+            </a:lnRef>
+            <a:fillRef idx="1">
+              <a:schemeClr val="accent1"/>
+            </a:fillRef>
+            <a:effectRef idx="0">
+              <a:schemeClr val="accent1"/>
+            </a:effectRef>
+            <a:fontRef idx="minor">
+              <a:schemeClr val="lt1"/>
+            </a:fontRef>
+          </p:style>
+          <p:txBody>
+            <a:bodyPr rtlCol="0" anchor="ctr"/>
+            <a:lstStyle/>
+            <a:p>
+              <a:pPr algn="ctr"/>
+              <a:endParaRPr lang="en-US"/>
+            </a:p>
+          </p:txBody>
+        </p:sp>
+      </p:grpSp>
+      <p:grpSp>
+        <p:nvGrpSpPr>
+          <p:cNvPr id="24" name="Group 23">
+            <a:extLst>
+              <a:ext uri="{FF2B5EF4-FFF2-40B4-BE49-F238E27FC236}">
+                <a16:creationId xmlns:a16="http://schemas.microsoft.com/office/drawing/2014/main" id="{BC6CFBD3-49E4-4ED8-A8C7-969155730C56}"/>
+              </a:ext>
+            </a:extLst>
+          </p:cNvPr>
+          <p:cNvGrpSpPr/>
+          <p:nvPr/>
+        </p:nvGrpSpPr>
+        <p:grpSpPr>
+          <a:xfrm>
+            <a:off x="7484165" y="2036181"/>
+            <a:ext cx="2212493" cy="749998"/>
+            <a:chOff x="7484165" y="1530979"/>
+            <a:chExt cx="2212493" cy="749998"/>
+          </a:xfrm>
+        </p:grpSpPr>
+        <p:sp>
+          <p:nvSpPr>
+            <p:cNvPr id="25" name="Rectangle 24">
+              <a:extLst>
+                <a:ext uri="{FF2B5EF4-FFF2-40B4-BE49-F238E27FC236}">
+                  <a16:creationId xmlns:a16="http://schemas.microsoft.com/office/drawing/2014/main" id="{51AE6B8A-9D0C-1C06-84E3-CB102BEC9821}"/>
+                </a:ext>
+              </a:extLst>
+            </p:cNvPr>
+            <p:cNvSpPr/>
+            <p:nvPr/>
+          </p:nvSpPr>
+          <p:spPr>
+            <a:xfrm>
+              <a:off x="7484165" y="1530979"/>
+              <a:ext cx="2212493" cy="749998"/>
+            </a:xfrm>
+            <a:prstGeom prst="rect">
+              <a:avLst/>
+            </a:prstGeom>
+            <a:solidFill>
+              <a:schemeClr val="accent2">
+                <a:lumMod val="50000"/>
+              </a:schemeClr>
+            </a:solidFill>
+          </p:spPr>
+          <p:style>
+            <a:lnRef idx="2">
+              <a:schemeClr val="accent1">
+                <a:shade val="15000"/>
+              </a:schemeClr>
+            </a:lnRef>
+            <a:fillRef idx="1">
+              <a:schemeClr val="accent1"/>
+            </a:fillRef>
+            <a:effectRef idx="0">
+              <a:schemeClr val="accent1"/>
+            </a:effectRef>
+            <a:fontRef idx="minor">
+              <a:schemeClr val="lt1"/>
+            </a:fontRef>
+          </p:style>
+          <p:txBody>
+            <a:bodyPr rtlCol="0" anchor="ctr"/>
+            <a:lstStyle/>
+            <a:p>
+              <a:r>
+                <a:rPr lang="en-US" dirty="0"/>
+                <a:t>JavaScript</a:t>
+              </a:r>
+            </a:p>
+            <a:p>
+              <a:r>
+                <a:rPr lang="en-US" dirty="0"/>
+                <a:t>KV</a:t>
+              </a:r>
+            </a:p>
+          </p:txBody>
+        </p:sp>
+        <p:sp>
+          <p:nvSpPr>
+            <p:cNvPr id="28" name="Can 27">
+              <a:extLst>
+                <a:ext uri="{FF2B5EF4-FFF2-40B4-BE49-F238E27FC236}">
+                  <a16:creationId xmlns:a16="http://schemas.microsoft.com/office/drawing/2014/main" id="{A523CFA3-34C2-1B5D-7B87-E3C35451AA81}"/>
+                </a:ext>
+              </a:extLst>
+            </p:cNvPr>
+            <p:cNvSpPr/>
+            <p:nvPr/>
+          </p:nvSpPr>
+          <p:spPr>
+            <a:xfrm>
+              <a:off x="8701873" y="1710064"/>
+              <a:ext cx="823965" cy="424877"/>
+            </a:xfrm>
+            <a:prstGeom prst="can">
+              <a:avLst/>
+            </a:prstGeom>
+          </p:spPr>
+          <p:style>
+            <a:lnRef idx="2">
+              <a:schemeClr val="accent1">
+                <a:shade val="15000"/>
+              </a:schemeClr>
+            </a:lnRef>
+            <a:fillRef idx="1">
+              <a:schemeClr val="accent1"/>
+            </a:fillRef>
+            <a:effectRef idx="0">
+              <a:schemeClr val="accent1"/>
+            </a:effectRef>
+            <a:fontRef idx="minor">
+              <a:schemeClr val="lt1"/>
+            </a:fontRef>
+          </p:style>
+          <p:txBody>
+            <a:bodyPr rtlCol="0" anchor="ctr"/>
+            <a:lstStyle/>
+            <a:p>
+              <a:pPr algn="ctr"/>
+              <a:endParaRPr lang="en-US"/>
+            </a:p>
+          </p:txBody>
+        </p:sp>
+      </p:grpSp>
+      <p:grpSp>
+        <p:nvGrpSpPr>
+          <p:cNvPr id="29" name="Group 28">
+            <a:extLst>
+              <a:ext uri="{FF2B5EF4-FFF2-40B4-BE49-F238E27FC236}">
+                <a16:creationId xmlns:a16="http://schemas.microsoft.com/office/drawing/2014/main" id="{452A1782-6249-C32E-2FAF-8837C454D1F0}"/>
+              </a:ext>
+            </a:extLst>
+          </p:cNvPr>
+          <p:cNvGrpSpPr/>
+          <p:nvPr/>
+        </p:nvGrpSpPr>
+        <p:grpSpPr>
+          <a:xfrm>
+            <a:off x="7484165" y="2687176"/>
+            <a:ext cx="2212493" cy="749998"/>
+            <a:chOff x="7484165" y="1530979"/>
+            <a:chExt cx="2212493" cy="749998"/>
+          </a:xfrm>
+        </p:grpSpPr>
+        <p:sp>
+          <p:nvSpPr>
+            <p:cNvPr id="31" name="Rectangle 30">
+              <a:extLst>
+                <a:ext uri="{FF2B5EF4-FFF2-40B4-BE49-F238E27FC236}">
+                  <a16:creationId xmlns:a16="http://schemas.microsoft.com/office/drawing/2014/main" id="{498C9C4B-357E-067C-DAFE-8DD5BB0E2B9A}"/>
+                </a:ext>
+              </a:extLst>
+            </p:cNvPr>
+            <p:cNvSpPr/>
+            <p:nvPr/>
+          </p:nvSpPr>
+          <p:spPr>
+            <a:xfrm>
+              <a:off x="7484165" y="1530979"/>
+              <a:ext cx="2212493" cy="749998"/>
+            </a:xfrm>
+            <a:prstGeom prst="rect">
+              <a:avLst/>
+            </a:prstGeom>
+            <a:solidFill>
+              <a:schemeClr val="accent2">
+                <a:lumMod val="50000"/>
+              </a:schemeClr>
+            </a:solidFill>
+          </p:spPr>
+          <p:style>
+            <a:lnRef idx="2">
+              <a:schemeClr val="accent1">
+                <a:shade val="15000"/>
+              </a:schemeClr>
+            </a:lnRef>
+            <a:fillRef idx="1">
+              <a:schemeClr val="accent1"/>
+            </a:fillRef>
+            <a:effectRef idx="0">
+              <a:schemeClr val="accent1"/>
+            </a:effectRef>
+            <a:fontRef idx="minor">
+              <a:schemeClr val="lt1"/>
+            </a:fontRef>
+          </p:style>
+          <p:txBody>
+            <a:bodyPr rtlCol="0" anchor="ctr"/>
+            <a:lstStyle/>
+            <a:p>
+              <a:r>
+                <a:rPr lang="en-US" dirty="0"/>
+                <a:t>JavaScript</a:t>
+              </a:r>
+            </a:p>
+            <a:p>
+              <a:r>
+                <a:rPr lang="en-US" dirty="0"/>
+                <a:t>KV</a:t>
+              </a:r>
+            </a:p>
+          </p:txBody>
+        </p:sp>
+        <p:sp>
+          <p:nvSpPr>
+            <p:cNvPr id="32" name="Can 31">
+              <a:extLst>
+                <a:ext uri="{FF2B5EF4-FFF2-40B4-BE49-F238E27FC236}">
+                  <a16:creationId xmlns:a16="http://schemas.microsoft.com/office/drawing/2014/main" id="{A4730B0D-E540-BAD4-9E6C-5D937EC38F4C}"/>
+                </a:ext>
+              </a:extLst>
+            </p:cNvPr>
+            <p:cNvSpPr/>
+            <p:nvPr/>
+          </p:nvSpPr>
+          <p:spPr>
+            <a:xfrm>
+              <a:off x="8701873" y="1710064"/>
+              <a:ext cx="823965" cy="424877"/>
+            </a:xfrm>
+            <a:prstGeom prst="can">
+              <a:avLst/>
+            </a:prstGeom>
+          </p:spPr>
+          <p:style>
+            <a:lnRef idx="2">
+              <a:schemeClr val="accent1">
+                <a:shade val="15000"/>
+              </a:schemeClr>
+            </a:lnRef>
+            <a:fillRef idx="1">
+              <a:schemeClr val="accent1"/>
+            </a:fillRef>
+            <a:effectRef idx="0">
+              <a:schemeClr val="accent1"/>
+            </a:effectRef>
+            <a:fontRef idx="minor">
+              <a:schemeClr val="lt1"/>
+            </a:fontRef>
+          </p:style>
+          <p:txBody>
+            <a:bodyPr rtlCol="0" anchor="ctr"/>
+            <a:lstStyle/>
+            <a:p>
+              <a:pPr algn="ctr"/>
+              <a:endParaRPr lang="en-US"/>
+            </a:p>
+          </p:txBody>
+        </p:sp>
+      </p:grpSp>
+      <p:grpSp>
+        <p:nvGrpSpPr>
+          <p:cNvPr id="33" name="Group 32">
+            <a:extLst>
+              <a:ext uri="{FF2B5EF4-FFF2-40B4-BE49-F238E27FC236}">
+                <a16:creationId xmlns:a16="http://schemas.microsoft.com/office/drawing/2014/main" id="{0EA30A89-3737-26FC-30C7-C10C2302B297}"/>
+              </a:ext>
+            </a:extLst>
+          </p:cNvPr>
+          <p:cNvGrpSpPr/>
+          <p:nvPr/>
+        </p:nvGrpSpPr>
+        <p:grpSpPr>
+          <a:xfrm>
+            <a:off x="7484165" y="3433538"/>
+            <a:ext cx="2212493" cy="749998"/>
+            <a:chOff x="7484165" y="1530979"/>
+            <a:chExt cx="2212493" cy="749998"/>
+          </a:xfrm>
+        </p:grpSpPr>
+        <p:sp>
+          <p:nvSpPr>
+            <p:cNvPr id="34" name="Rectangle 33">
+              <a:extLst>
+                <a:ext uri="{FF2B5EF4-FFF2-40B4-BE49-F238E27FC236}">
+                  <a16:creationId xmlns:a16="http://schemas.microsoft.com/office/drawing/2014/main" id="{661EA4B1-9A44-CD9B-7C91-597F7ECFD7A6}"/>
+                </a:ext>
+              </a:extLst>
+            </p:cNvPr>
+            <p:cNvSpPr/>
+            <p:nvPr/>
+          </p:nvSpPr>
+          <p:spPr>
+            <a:xfrm>
+              <a:off x="7484165" y="1530979"/>
+              <a:ext cx="2212493" cy="749998"/>
+            </a:xfrm>
+            <a:prstGeom prst="rect">
+              <a:avLst/>
+            </a:prstGeom>
+            <a:solidFill>
+              <a:schemeClr val="accent2">
+                <a:lumMod val="50000"/>
+              </a:schemeClr>
+            </a:solidFill>
+          </p:spPr>
+          <p:style>
+            <a:lnRef idx="2">
+              <a:schemeClr val="accent1">
+                <a:shade val="15000"/>
+              </a:schemeClr>
+            </a:lnRef>
+            <a:fillRef idx="1">
+              <a:schemeClr val="accent1"/>
+            </a:fillRef>
+            <a:effectRef idx="0">
+              <a:schemeClr val="accent1"/>
+            </a:effectRef>
+            <a:fontRef idx="minor">
+              <a:schemeClr val="lt1"/>
+            </a:fontRef>
+          </p:style>
+          <p:txBody>
+            <a:bodyPr rtlCol="0" anchor="ctr"/>
+            <a:lstStyle/>
+            <a:p>
+              <a:r>
+                <a:rPr lang="en-US" dirty="0"/>
+                <a:t>JavaScript</a:t>
+              </a:r>
+            </a:p>
+            <a:p>
+              <a:r>
+                <a:rPr lang="en-US" dirty="0"/>
+                <a:t>KV</a:t>
+              </a:r>
+            </a:p>
+          </p:txBody>
+        </p:sp>
+        <p:sp>
+          <p:nvSpPr>
+            <p:cNvPr id="35" name="Can 34">
+              <a:extLst>
+                <a:ext uri="{FF2B5EF4-FFF2-40B4-BE49-F238E27FC236}">
+                  <a16:creationId xmlns:a16="http://schemas.microsoft.com/office/drawing/2014/main" id="{C275C632-7ED0-31AA-DF27-30676BB0AE85}"/>
+                </a:ext>
+              </a:extLst>
+            </p:cNvPr>
+            <p:cNvSpPr/>
+            <p:nvPr/>
+          </p:nvSpPr>
+          <p:spPr>
+            <a:xfrm>
+              <a:off x="8701873" y="1710064"/>
+              <a:ext cx="823965" cy="424877"/>
+            </a:xfrm>
+            <a:prstGeom prst="can">
+              <a:avLst/>
+            </a:prstGeom>
+          </p:spPr>
+          <p:style>
+            <a:lnRef idx="2">
+              <a:schemeClr val="accent1">
+                <a:shade val="15000"/>
+              </a:schemeClr>
+            </a:lnRef>
+            <a:fillRef idx="1">
+              <a:schemeClr val="accent1"/>
+            </a:fillRef>
+            <a:effectRef idx="0">
+              <a:schemeClr val="accent1"/>
+            </a:effectRef>
+            <a:fontRef idx="minor">
+              <a:schemeClr val="lt1"/>
+            </a:fontRef>
+          </p:style>
+          <p:txBody>
+            <a:bodyPr rtlCol="0" anchor="ctr"/>
+            <a:lstStyle/>
+            <a:p>
+              <a:pPr algn="ctr"/>
+              <a:endParaRPr lang="en-US"/>
+            </a:p>
+          </p:txBody>
+        </p:sp>
+      </p:grpSp>
+      <p:grpSp>
+        <p:nvGrpSpPr>
+          <p:cNvPr id="36" name="Group 35">
+            <a:extLst>
+              <a:ext uri="{FF2B5EF4-FFF2-40B4-BE49-F238E27FC236}">
+                <a16:creationId xmlns:a16="http://schemas.microsoft.com/office/drawing/2014/main" id="{B67EA31E-C4DA-A972-E2B3-E6A7448F8B52}"/>
+              </a:ext>
+            </a:extLst>
+          </p:cNvPr>
+          <p:cNvGrpSpPr/>
+          <p:nvPr/>
+        </p:nvGrpSpPr>
+        <p:grpSpPr>
+          <a:xfrm>
+            <a:off x="7484165" y="4156778"/>
+            <a:ext cx="2212493" cy="749998"/>
+            <a:chOff x="7484165" y="1530979"/>
+            <a:chExt cx="2212493" cy="749998"/>
+          </a:xfrm>
+        </p:grpSpPr>
+        <p:sp>
+          <p:nvSpPr>
+            <p:cNvPr id="37" name="Rectangle 36">
+              <a:extLst>
+                <a:ext uri="{FF2B5EF4-FFF2-40B4-BE49-F238E27FC236}">
+                  <a16:creationId xmlns:a16="http://schemas.microsoft.com/office/drawing/2014/main" id="{4EAC4123-ECDD-3D2A-6984-4FAC22B92EDE}"/>
+                </a:ext>
+              </a:extLst>
+            </p:cNvPr>
+            <p:cNvSpPr/>
+            <p:nvPr/>
+          </p:nvSpPr>
+          <p:spPr>
+            <a:xfrm>
+              <a:off x="7484165" y="1530979"/>
+              <a:ext cx="2212493" cy="749998"/>
+            </a:xfrm>
+            <a:prstGeom prst="rect">
+              <a:avLst/>
+            </a:prstGeom>
+            <a:solidFill>
+              <a:schemeClr val="accent2">
+                <a:lumMod val="50000"/>
+              </a:schemeClr>
+            </a:solidFill>
+          </p:spPr>
+          <p:style>
+            <a:lnRef idx="2">
+              <a:schemeClr val="accent1">
+                <a:shade val="15000"/>
+              </a:schemeClr>
+            </a:lnRef>
+            <a:fillRef idx="1">
+              <a:schemeClr val="accent1"/>
+            </a:fillRef>
+            <a:effectRef idx="0">
+              <a:schemeClr val="accent1"/>
+            </a:effectRef>
+            <a:fontRef idx="minor">
+              <a:schemeClr val="lt1"/>
+            </a:fontRef>
+          </p:style>
+          <p:txBody>
+            <a:bodyPr rtlCol="0" anchor="ctr"/>
+            <a:lstStyle/>
+            <a:p>
+              <a:r>
+                <a:rPr lang="en-US" dirty="0"/>
+                <a:t>JavaScript</a:t>
+              </a:r>
+            </a:p>
+            <a:p>
+              <a:r>
+                <a:rPr lang="en-US" dirty="0"/>
+                <a:t>KV</a:t>
+              </a:r>
+            </a:p>
+          </p:txBody>
+        </p:sp>
+        <p:sp>
+          <p:nvSpPr>
+            <p:cNvPr id="38" name="Can 37">
+              <a:extLst>
+                <a:ext uri="{FF2B5EF4-FFF2-40B4-BE49-F238E27FC236}">
+                  <a16:creationId xmlns:a16="http://schemas.microsoft.com/office/drawing/2014/main" id="{4720E4A5-4DA0-EB12-7294-F994B6499E67}"/>
+                </a:ext>
+              </a:extLst>
+            </p:cNvPr>
+            <p:cNvSpPr/>
+            <p:nvPr/>
+          </p:nvSpPr>
+          <p:spPr>
+            <a:xfrm>
+              <a:off x="8701873" y="1710064"/>
+              <a:ext cx="823965" cy="424877"/>
+            </a:xfrm>
+            <a:prstGeom prst="can">
+              <a:avLst/>
+            </a:prstGeom>
+          </p:spPr>
+          <p:style>
+            <a:lnRef idx="2">
+              <a:schemeClr val="accent1">
+                <a:shade val="15000"/>
+              </a:schemeClr>
+            </a:lnRef>
+            <a:fillRef idx="1">
+              <a:schemeClr val="accent1"/>
+            </a:fillRef>
+            <a:effectRef idx="0">
+              <a:schemeClr val="accent1"/>
+            </a:effectRef>
+            <a:fontRef idx="minor">
+              <a:schemeClr val="lt1"/>
+            </a:fontRef>
+          </p:style>
+          <p:txBody>
+            <a:bodyPr rtlCol="0" anchor="ctr"/>
+            <a:lstStyle/>
+            <a:p>
+              <a:pPr algn="ctr"/>
+              <a:endParaRPr lang="en-US"/>
+            </a:p>
+          </p:txBody>
+        </p:sp>
+      </p:grpSp>
+      <p:grpSp>
+        <p:nvGrpSpPr>
+          <p:cNvPr id="39" name="Group 38">
+            <a:extLst>
+              <a:ext uri="{FF2B5EF4-FFF2-40B4-BE49-F238E27FC236}">
+                <a16:creationId xmlns:a16="http://schemas.microsoft.com/office/drawing/2014/main" id="{51245FD5-F42F-C894-28A9-A84BE3F74294}"/>
+              </a:ext>
+            </a:extLst>
+          </p:cNvPr>
+          <p:cNvGrpSpPr/>
+          <p:nvPr/>
+        </p:nvGrpSpPr>
+        <p:grpSpPr>
+          <a:xfrm>
+            <a:off x="7484165" y="5620985"/>
+            <a:ext cx="2212493" cy="749998"/>
+            <a:chOff x="7484165" y="1530979"/>
+            <a:chExt cx="2212493" cy="749998"/>
+          </a:xfrm>
+        </p:grpSpPr>
+        <p:sp>
+          <p:nvSpPr>
+            <p:cNvPr id="40" name="Rectangle 39">
+              <a:extLst>
+                <a:ext uri="{FF2B5EF4-FFF2-40B4-BE49-F238E27FC236}">
+                  <a16:creationId xmlns:a16="http://schemas.microsoft.com/office/drawing/2014/main" id="{10EED2A8-0280-2D52-7641-22FB7BE27D8A}"/>
+                </a:ext>
+              </a:extLst>
+            </p:cNvPr>
+            <p:cNvSpPr/>
+            <p:nvPr/>
+          </p:nvSpPr>
+          <p:spPr>
+            <a:xfrm>
+              <a:off x="7484165" y="1530979"/>
+              <a:ext cx="2212493" cy="749998"/>
+            </a:xfrm>
+            <a:prstGeom prst="rect">
+              <a:avLst/>
+            </a:prstGeom>
+            <a:solidFill>
+              <a:schemeClr val="accent2">
+                <a:lumMod val="50000"/>
+              </a:schemeClr>
+            </a:solidFill>
+          </p:spPr>
+          <p:style>
+            <a:lnRef idx="2">
+              <a:schemeClr val="accent1">
+                <a:shade val="15000"/>
+              </a:schemeClr>
+            </a:lnRef>
+            <a:fillRef idx="1">
+              <a:schemeClr val="accent1"/>
+            </a:fillRef>
+            <a:effectRef idx="0">
+              <a:schemeClr val="accent1"/>
+            </a:effectRef>
+            <a:fontRef idx="minor">
+              <a:schemeClr val="lt1"/>
+            </a:fontRef>
+          </p:style>
+          <p:txBody>
+            <a:bodyPr rtlCol="0" anchor="ctr"/>
+            <a:lstStyle/>
+            <a:p>
+              <a:r>
+                <a:rPr lang="en-US" dirty="0"/>
+                <a:t>JavaScript</a:t>
+              </a:r>
+            </a:p>
+            <a:p>
+              <a:r>
+                <a:rPr lang="en-US" dirty="0"/>
+                <a:t>KV</a:t>
+              </a:r>
+            </a:p>
+          </p:txBody>
+        </p:sp>
+        <p:sp>
+          <p:nvSpPr>
+            <p:cNvPr id="41" name="Can 40">
+              <a:extLst>
+                <a:ext uri="{FF2B5EF4-FFF2-40B4-BE49-F238E27FC236}">
+                  <a16:creationId xmlns:a16="http://schemas.microsoft.com/office/drawing/2014/main" id="{8B8107F8-1F3B-79A4-40F7-09AC7CD8E540}"/>
+                </a:ext>
+              </a:extLst>
+            </p:cNvPr>
+            <p:cNvSpPr/>
+            <p:nvPr/>
+          </p:nvSpPr>
+          <p:spPr>
+            <a:xfrm>
+              <a:off x="8701873" y="1710064"/>
+              <a:ext cx="823965" cy="424877"/>
+            </a:xfrm>
+            <a:prstGeom prst="can">
+              <a:avLst/>
+            </a:prstGeom>
+          </p:spPr>
+          <p:style>
+            <a:lnRef idx="2">
+              <a:schemeClr val="accent1">
+                <a:shade val="15000"/>
+              </a:schemeClr>
+            </a:lnRef>
+            <a:fillRef idx="1">
+              <a:schemeClr val="accent1"/>
+            </a:fillRef>
+            <a:effectRef idx="0">
+              <a:schemeClr val="accent1"/>
+            </a:effectRef>
+            <a:fontRef idx="minor">
+              <a:schemeClr val="lt1"/>
+            </a:fontRef>
+          </p:style>
+          <p:txBody>
+            <a:bodyPr rtlCol="0" anchor="ctr"/>
+            <a:lstStyle/>
+            <a:p>
+              <a:pPr algn="ctr"/>
+              <a:endParaRPr lang="en-US"/>
+            </a:p>
+          </p:txBody>
+        </p:sp>
+      </p:grpSp>
+      <p:pic>
+        <p:nvPicPr>
+          <p:cNvPr id="43" name="Picture 42" descr="A map of the world with blue dots&#10;&#10;AI-generated content may be incorrect.">
+            <a:extLst>
+              <a:ext uri="{FF2B5EF4-FFF2-40B4-BE49-F238E27FC236}">
+                <a16:creationId xmlns:a16="http://schemas.microsoft.com/office/drawing/2014/main" id="{9144C807-CD9A-CBBE-40D6-86CB428372F3}"/>
+              </a:ext>
+            </a:extLst>
+          </p:cNvPr>
+          <p:cNvPicPr>
+            <a:picLocks noChangeAspect="1"/>
+          </p:cNvPicPr>
+          <p:nvPr/>
+        </p:nvPicPr>
+        <p:blipFill>
+          <a:blip r:embed="rId2"/>
+          <a:stretch>
+            <a:fillRect/>
+          </a:stretch>
+        </p:blipFill>
+        <p:spPr>
+          <a:xfrm>
+            <a:off x="992006" y="4128357"/>
+            <a:ext cx="4355453" cy="2483786"/>
+          </a:xfrm>
+          <a:prstGeom prst="rect">
+            <a:avLst/>
+          </a:prstGeom>
+        </p:spPr>
+      </p:pic>
+      <p:sp>
+        <p:nvSpPr>
+          <p:cNvPr id="45" name="TextBox 44">
+            <a:extLst>
+              <a:ext uri="{FF2B5EF4-FFF2-40B4-BE49-F238E27FC236}">
+                <a16:creationId xmlns:a16="http://schemas.microsoft.com/office/drawing/2014/main" id="{F234FEC1-1134-E533-F8C0-9441741D61F6}"/>
+              </a:ext>
+            </a:extLst>
+          </p:cNvPr>
+          <p:cNvSpPr txBox="1"/>
+          <p:nvPr/>
+        </p:nvSpPr>
+        <p:spPr>
+          <a:xfrm>
+            <a:off x="8358509" y="5059103"/>
+            <a:ext cx="343364" cy="369332"/>
+          </a:xfrm>
+          <a:prstGeom prst="rect">
+            <a:avLst/>
+          </a:prstGeom>
+          <a:noFill/>
+        </p:spPr>
+        <p:txBody>
+          <a:bodyPr wrap="none" rtlCol="0">
+            <a:spAutoFit/>
+          </a:bodyPr>
+          <a:lstStyle/>
+          <a:p>
+            <a:r>
+              <a:rPr lang="en-US" dirty="0"/>
+              <a:t>…</a:t>
+            </a:r>
+          </a:p>
+        </p:txBody>
+      </p:sp>
+    </p:spTree>
+    <p:extLst>
+      <p:ext uri="{BB962C8B-B14F-4D97-AF65-F5344CB8AC3E}">
+        <p14:creationId xmlns:p14="http://schemas.microsoft.com/office/powerpoint/2010/main" val="2804316267"/>
+      </p:ext>
+    </p:extLst>
+  </p:cSld>
+  <p:clrMapOvr>
+    <a:masterClrMapping/>
+  </p:clrMapOvr>
+</p:sld>
+</file>
+
+<file path=ppt/slides/slide17.xml><?xml version="1.0" encoding="utf-8"?>
 <p:sld xmlns:a="http://schemas.openxmlformats.org/drawingml/2006/main" xmlns:r="http://schemas.openxmlformats.org/officeDocument/2006/relationships" xmlns:p="http://schemas.openxmlformats.org/presentationml/2006/main">
   <p:cSld>
     <p:spTree>
@@ -4901,271 +6438,887 @@
       </p:grpSpPr>
       <p:sp>
         <p:nvSpPr>
-          <p:cNvPr id="12" name="Rectangle 11"/>
-          <p:cNvSpPr/>
-          <p:nvPr/>
-        </p:nvSpPr>
-        <p:spPr>
-          <a:xfrm>
-            <a:off x="3986697" y="458272"/>
-            <a:ext cx="3504229" cy="369332"/>
-          </a:xfrm>
-          <a:prstGeom prst="rect">
-            <a:avLst/>
-          </a:prstGeom>
-        </p:spPr>
-        <p:txBody>
-          <a:bodyPr wrap="none">
-            <a:spAutoFit/>
+          <p:cNvPr id="5" name="Title 4">
+            <a:extLst>
+              <a:ext uri="{FF2B5EF4-FFF2-40B4-BE49-F238E27FC236}">
+                <a16:creationId xmlns:a16="http://schemas.microsoft.com/office/drawing/2014/main" id="{9E1011DF-F528-7006-3AAB-5DD054F88389}"/>
+              </a:ext>
+            </a:extLst>
+          </p:cNvPr>
+          <p:cNvSpPr>
+            <a:spLocks noGrp="1"/>
+          </p:cNvSpPr>
+          <p:nvPr>
+            <p:ph type="title"/>
+          </p:nvPr>
+        </p:nvSpPr>
+        <p:spPr/>
+        <p:txBody>
+          <a:bodyPr/>
+          <a:lstStyle/>
+          <a:p>
+            <a:r>
+              <a:rPr lang="en-US" dirty="0"/>
+              <a:t>Deno KV</a:t>
+            </a:r>
+            <a:br>
+              <a:rPr lang="en-US" dirty="0"/>
+            </a:br>
+            <a:br>
+              <a:rPr lang="en-US" dirty="0"/>
+            </a:br>
+            <a:r>
+              <a:rPr lang="en-US" sz="2400" b="1" dirty="0">
+                <a:latin typeface="Courier New" panose="02070309020205020404" pitchFamily="49" charset="0"/>
+                <a:cs typeface="Courier New" panose="02070309020205020404" pitchFamily="49" charset="0"/>
+              </a:rPr>
+              <a:t>https://</a:t>
+            </a:r>
+            <a:r>
+              <a:rPr lang="en-US" sz="2400" b="1" dirty="0" err="1">
+                <a:latin typeface="Courier New" panose="02070309020205020404" pitchFamily="49" charset="0"/>
+                <a:cs typeface="Courier New" panose="02070309020205020404" pitchFamily="49" charset="0"/>
+              </a:rPr>
+              <a:t>docs.deno.com</a:t>
+            </a:r>
+            <a:r>
+              <a:rPr lang="en-US" sz="2400" b="1" dirty="0">
+                <a:latin typeface="Courier New" panose="02070309020205020404" pitchFamily="49" charset="0"/>
+                <a:cs typeface="Courier New" panose="02070309020205020404" pitchFamily="49" charset="0"/>
+              </a:rPr>
+              <a:t>/deploy/</a:t>
+            </a:r>
+            <a:r>
+              <a:rPr lang="en-US" sz="2400" b="1" dirty="0" err="1">
+                <a:latin typeface="Courier New" panose="02070309020205020404" pitchFamily="49" charset="0"/>
+                <a:cs typeface="Courier New" panose="02070309020205020404" pitchFamily="49" charset="0"/>
+              </a:rPr>
+              <a:t>kv</a:t>
+            </a:r>
+            <a:r>
+              <a:rPr lang="en-US" sz="2400" b="1" dirty="0">
+                <a:latin typeface="Courier New" panose="02070309020205020404" pitchFamily="49" charset="0"/>
+                <a:cs typeface="Courier New" panose="02070309020205020404" pitchFamily="49" charset="0"/>
+              </a:rPr>
+              <a:t>/manual/operations/</a:t>
+            </a:r>
+            <a:endParaRPr lang="en-US" sz="2000" b="1" dirty="0">
+              <a:latin typeface="Courier New" panose="02070309020205020404" pitchFamily="49" charset="0"/>
+              <a:cs typeface="Courier New" panose="02070309020205020404" pitchFamily="49" charset="0"/>
+            </a:endParaRPr>
+          </a:p>
+        </p:txBody>
+      </p:sp>
+    </p:spTree>
+    <p:extLst>
+      <p:ext uri="{BB962C8B-B14F-4D97-AF65-F5344CB8AC3E}">
+        <p14:creationId xmlns:p14="http://schemas.microsoft.com/office/powerpoint/2010/main" val="1235445919"/>
+      </p:ext>
+    </p:extLst>
+  </p:cSld>
+  <p:clrMapOvr>
+    <a:masterClrMapping/>
+  </p:clrMapOvr>
+</p:sld>
+</file>
+
+<file path=ppt/slides/slide18.xml><?xml version="1.0" encoding="utf-8"?>
+<p:sld xmlns:a="http://schemas.openxmlformats.org/drawingml/2006/main" xmlns:r="http://schemas.openxmlformats.org/officeDocument/2006/relationships" xmlns:p="http://schemas.openxmlformats.org/presentationml/2006/main">
+  <p:cSld>
+    <p:spTree>
+      <p:nvGrpSpPr>
+        <p:cNvPr id="1" name=""/>
+        <p:cNvGrpSpPr/>
+        <p:nvPr/>
+      </p:nvGrpSpPr>
+      <p:grpSpPr>
+        <a:xfrm>
+          <a:off x="0" y="0"/>
+          <a:ext cx="0" cy="0"/>
+          <a:chOff x="0" y="0"/>
+          <a:chExt cx="0" cy="0"/>
+        </a:xfrm>
+      </p:grpSpPr>
+      <p:sp>
+        <p:nvSpPr>
+          <p:cNvPr id="3" name="Title 2">
+            <a:extLst>
+              <a:ext uri="{FF2B5EF4-FFF2-40B4-BE49-F238E27FC236}">
+                <a16:creationId xmlns:a16="http://schemas.microsoft.com/office/drawing/2014/main" id="{4323ED51-A1CB-0A0B-C30B-BCAD443CA172}"/>
+              </a:ext>
+            </a:extLst>
+          </p:cNvPr>
+          <p:cNvSpPr>
+            <a:spLocks noGrp="1"/>
+          </p:cNvSpPr>
+          <p:nvPr>
+            <p:ph type="title"/>
+          </p:nvPr>
+        </p:nvSpPr>
+        <p:spPr/>
+        <p:txBody>
+          <a:bodyPr/>
+          <a:lstStyle/>
+          <a:p>
+            <a:r>
+              <a:rPr lang="en-US" dirty="0"/>
+              <a:t>Deno KV Overview</a:t>
+            </a:r>
+          </a:p>
+        </p:txBody>
+      </p:sp>
+      <p:sp>
+        <p:nvSpPr>
+          <p:cNvPr id="4" name="Content Placeholder 3">
+            <a:extLst>
+              <a:ext uri="{FF2B5EF4-FFF2-40B4-BE49-F238E27FC236}">
+                <a16:creationId xmlns:a16="http://schemas.microsoft.com/office/drawing/2014/main" id="{69917450-EDCA-A12B-314F-4F4CCA96145A}"/>
+              </a:ext>
+            </a:extLst>
+          </p:cNvPr>
+          <p:cNvSpPr>
+            <a:spLocks noGrp="1"/>
+          </p:cNvSpPr>
+          <p:nvPr>
+            <p:ph idx="1"/>
+          </p:nvPr>
+        </p:nvSpPr>
+        <p:spPr/>
+        <p:txBody>
+          <a:bodyPr>
+            <a:normAutofit fontScale="92500" lnSpcReduction="10000"/>
           </a:bodyPr>
           <a:lstStyle/>
           <a:p>
             <a:r>
-              <a:rPr lang="en-US" altLang="en-US">
+              <a:rPr lang="en-US" dirty="0"/>
+              <a:t>Organizes </a:t>
+            </a:r>
+            <a:r>
+              <a:rPr lang="en-US" dirty="0" err="1"/>
+              <a:t>Schemaless</a:t>
+            </a:r>
+            <a:r>
+              <a:rPr lang="en-US" dirty="0"/>
+              <a:t> JSON documents</a:t>
+            </a:r>
+          </a:p>
+          <a:p>
+            <a:r>
+              <a:rPr lang="en-US"/>
+              <a:t>No explicit tables</a:t>
+            </a:r>
+            <a:endParaRPr lang="en-US" dirty="0"/>
+          </a:p>
+          <a:p>
+            <a:r>
+              <a:rPr lang="en-US" dirty="0"/>
+              <a:t>Keys </a:t>
+            </a:r>
+          </a:p>
+          <a:p>
+            <a:pPr lvl="1"/>
+            <a:r>
+              <a:rPr lang="en-US" dirty="0"/>
+              <a:t>Multi-level logical keys</a:t>
+            </a:r>
+          </a:p>
+          <a:p>
+            <a:pPr lvl="1"/>
+            <a:r>
+              <a:rPr lang="en-US" dirty="0"/>
+              <a:t>Logical keys are JavaScript Arrays</a:t>
+            </a:r>
+          </a:p>
+          <a:p>
+            <a:pPr lvl="1"/>
+            <a:r>
+              <a:rPr lang="en-US" dirty="0"/>
+              <a:t>Data can be stored (set) or retrieved (get) by exact key</a:t>
+            </a:r>
+          </a:p>
+          <a:p>
+            <a:pPr lvl="1"/>
+            <a:r>
+              <a:rPr lang="en-US" dirty="0"/>
+              <a:t>Data can be scanned by key prefix (list)</a:t>
+            </a:r>
+          </a:p>
+          <a:p>
+            <a:pPr lvl="1"/>
+            <a:r>
+              <a:rPr lang="en-US" dirty="0"/>
+              <a:t>Only order is logical key order</a:t>
+            </a:r>
+          </a:p>
+          <a:p>
+            <a:r>
+              <a:rPr lang="en-US" dirty="0"/>
+              <a:t>Logically similar to a Java </a:t>
+            </a:r>
+            <a:r>
+              <a:rPr lang="en-US" dirty="0" err="1"/>
+              <a:t>TreeMap</a:t>
+            </a:r>
+            <a:endParaRPr lang="en-US" dirty="0"/>
+          </a:p>
+          <a:p>
+            <a:endParaRPr lang="en-US" dirty="0"/>
+          </a:p>
+          <a:p>
+            <a:endParaRPr lang="en-US" dirty="0"/>
+          </a:p>
+        </p:txBody>
+      </p:sp>
+    </p:spTree>
+    <p:extLst>
+      <p:ext uri="{BB962C8B-B14F-4D97-AF65-F5344CB8AC3E}">
+        <p14:creationId xmlns:p14="http://schemas.microsoft.com/office/powerpoint/2010/main" val="2775752800"/>
+      </p:ext>
+    </p:extLst>
+  </p:cSld>
+  <p:clrMapOvr>
+    <a:masterClrMapping/>
+  </p:clrMapOvr>
+</p:sld>
+</file>
+
+<file path=ppt/slides/slide19.xml><?xml version="1.0" encoding="utf-8"?>
+<p:sld xmlns:a="http://schemas.openxmlformats.org/drawingml/2006/main" xmlns:r="http://schemas.openxmlformats.org/officeDocument/2006/relationships" xmlns:p="http://schemas.openxmlformats.org/presentationml/2006/main">
+  <p:cSld>
+    <p:spTree>
+      <p:nvGrpSpPr>
+        <p:cNvPr id="1" name=""/>
+        <p:cNvGrpSpPr/>
+        <p:nvPr/>
+      </p:nvGrpSpPr>
+      <p:grpSpPr>
+        <a:xfrm>
+          <a:off x="0" y="0"/>
+          <a:ext cx="0" cy="0"/>
+          <a:chOff x="0" y="0"/>
+          <a:chExt cx="0" cy="0"/>
+        </a:xfrm>
+      </p:grpSpPr>
+      <p:sp>
+        <p:nvSpPr>
+          <p:cNvPr id="113666" name="Rectangle 1">
+            <a:extLst>
+              <a:ext uri="{FF2B5EF4-FFF2-40B4-BE49-F238E27FC236}">
+                <a16:creationId xmlns:a16="http://schemas.microsoft.com/office/drawing/2014/main" id="{167CD264-3789-0736-DEC3-2295F0FA67FF}"/>
+              </a:ext>
+            </a:extLst>
+          </p:cNvPr>
+          <p:cNvSpPr>
+            <a:spLocks/>
+          </p:cNvSpPr>
+          <p:nvPr/>
+        </p:nvSpPr>
+        <p:spPr bwMode="auto">
+          <a:xfrm>
+            <a:off x="2981325" y="3714750"/>
+            <a:ext cx="6229350" cy="2066925"/>
+          </a:xfrm>
+          <a:prstGeom prst="rect">
+            <a:avLst/>
+          </a:prstGeom>
+          <a:solidFill>
+            <a:srgbClr val="FFFFFF"/>
+          </a:solidFill>
+          <a:ln>
+            <a:noFill/>
+          </a:ln>
+          <a:extLst>
+            <a:ext uri="{91240B29-F687-4F45-9708-019B960494DF}">
+              <a14:hiddenLine xmlns:a14="http://schemas.microsoft.com/office/drawing/2010/main" w="25400">
+                <a:solidFill>
+                  <a:srgbClr val="000000"/>
+                </a:solidFill>
+                <a:miter lim="800000"/>
+                <a:headEnd/>
+                <a:tailEnd/>
+              </a14:hiddenLine>
+            </a:ext>
+          </a:extLst>
+        </p:spPr>
+        <p:txBody>
+          <a:bodyPr lIns="0" tIns="0" rIns="0" bIns="0"/>
+          <a:lstStyle>
+            <a:lvl1pPr>
+              <a:defRPr sz="3600">
+                <a:solidFill>
+                  <a:srgbClr val="FFFFFF"/>
+                </a:solidFill>
+                <a:latin typeface="Gill Sans" panose="020B0502020104020203" pitchFamily="34" charset="-79"/>
+                <a:ea typeface="ヒラギノ角ゴ ProN W3" pitchFamily="2" charset="-128"/>
+                <a:sym typeface="Gill Sans" panose="020B0502020104020203" pitchFamily="34" charset="-79"/>
+              </a:defRPr>
+            </a:lvl1pPr>
+            <a:lvl2pPr marL="742950" indent="-285750">
+              <a:defRPr sz="3600">
+                <a:solidFill>
+                  <a:srgbClr val="FFFFFF"/>
+                </a:solidFill>
+                <a:latin typeface="Gill Sans" panose="020B0502020104020203" pitchFamily="34" charset="-79"/>
+                <a:ea typeface="ヒラギノ角ゴ ProN W3" pitchFamily="2" charset="-128"/>
+                <a:sym typeface="Gill Sans" panose="020B0502020104020203" pitchFamily="34" charset="-79"/>
+              </a:defRPr>
+            </a:lvl2pPr>
+            <a:lvl3pPr marL="1143000" indent="-228600">
+              <a:defRPr sz="3600">
+                <a:solidFill>
+                  <a:srgbClr val="FFFFFF"/>
+                </a:solidFill>
+                <a:latin typeface="Gill Sans" panose="020B0502020104020203" pitchFamily="34" charset="-79"/>
+                <a:ea typeface="ヒラギノ角ゴ ProN W3" pitchFamily="2" charset="-128"/>
+                <a:sym typeface="Gill Sans" panose="020B0502020104020203" pitchFamily="34" charset="-79"/>
+              </a:defRPr>
+            </a:lvl3pPr>
+            <a:lvl4pPr marL="1600200" indent="-228600">
+              <a:defRPr sz="3600">
+                <a:solidFill>
+                  <a:srgbClr val="FFFFFF"/>
+                </a:solidFill>
+                <a:latin typeface="Gill Sans" panose="020B0502020104020203" pitchFamily="34" charset="-79"/>
+                <a:ea typeface="ヒラギノ角ゴ ProN W3" pitchFamily="2" charset="-128"/>
+                <a:sym typeface="Gill Sans" panose="020B0502020104020203" pitchFamily="34" charset="-79"/>
+              </a:defRPr>
+            </a:lvl4pPr>
+            <a:lvl5pPr marL="2057400" indent="-228600">
+              <a:defRPr sz="3600">
+                <a:solidFill>
+                  <a:srgbClr val="FFFFFF"/>
+                </a:solidFill>
+                <a:latin typeface="Gill Sans" panose="020B0502020104020203" pitchFamily="34" charset="-79"/>
+                <a:ea typeface="ヒラギノ角ゴ ProN W3" pitchFamily="2" charset="-128"/>
+                <a:sym typeface="Gill Sans" panose="020B0502020104020203" pitchFamily="34" charset="-79"/>
+              </a:defRPr>
+            </a:lvl5pPr>
+            <a:lvl6pPr marL="2514600" indent="-228600" eaLnBrk="0" fontAlgn="base" hangingPunct="0">
+              <a:spcBef>
+                <a:spcPct val="0"/>
+              </a:spcBef>
+              <a:spcAft>
+                <a:spcPct val="0"/>
+              </a:spcAft>
+              <a:defRPr sz="3600">
+                <a:solidFill>
+                  <a:srgbClr val="FFFFFF"/>
+                </a:solidFill>
+                <a:latin typeface="Gill Sans" panose="020B0502020104020203" pitchFamily="34" charset="-79"/>
+                <a:ea typeface="ヒラギノ角ゴ ProN W3" pitchFamily="2" charset="-128"/>
+                <a:sym typeface="Gill Sans" panose="020B0502020104020203" pitchFamily="34" charset="-79"/>
+              </a:defRPr>
+            </a:lvl6pPr>
+            <a:lvl7pPr marL="2971800" indent="-228600" eaLnBrk="0" fontAlgn="base" hangingPunct="0">
+              <a:spcBef>
+                <a:spcPct val="0"/>
+              </a:spcBef>
+              <a:spcAft>
+                <a:spcPct val="0"/>
+              </a:spcAft>
+              <a:defRPr sz="3600">
+                <a:solidFill>
+                  <a:srgbClr val="FFFFFF"/>
+                </a:solidFill>
+                <a:latin typeface="Gill Sans" panose="020B0502020104020203" pitchFamily="34" charset="-79"/>
+                <a:ea typeface="ヒラギノ角ゴ ProN W3" pitchFamily="2" charset="-128"/>
+                <a:sym typeface="Gill Sans" panose="020B0502020104020203" pitchFamily="34" charset="-79"/>
+              </a:defRPr>
+            </a:lvl7pPr>
+            <a:lvl8pPr marL="3429000" indent="-228600" eaLnBrk="0" fontAlgn="base" hangingPunct="0">
+              <a:spcBef>
+                <a:spcPct val="0"/>
+              </a:spcBef>
+              <a:spcAft>
+                <a:spcPct val="0"/>
+              </a:spcAft>
+              <a:defRPr sz="3600">
+                <a:solidFill>
+                  <a:srgbClr val="FFFFFF"/>
+                </a:solidFill>
+                <a:latin typeface="Gill Sans" panose="020B0502020104020203" pitchFamily="34" charset="-79"/>
+                <a:ea typeface="ヒラギノ角ゴ ProN W3" pitchFamily="2" charset="-128"/>
+                <a:sym typeface="Gill Sans" panose="020B0502020104020203" pitchFamily="34" charset="-79"/>
+              </a:defRPr>
+            </a:lvl8pPr>
+            <a:lvl9pPr marL="3886200" indent="-228600" eaLnBrk="0" fontAlgn="base" hangingPunct="0">
+              <a:spcBef>
+                <a:spcPct val="0"/>
+              </a:spcBef>
+              <a:spcAft>
+                <a:spcPct val="0"/>
+              </a:spcAft>
+              <a:defRPr sz="3600">
+                <a:solidFill>
+                  <a:srgbClr val="FFFFFF"/>
+                </a:solidFill>
+                <a:latin typeface="Gill Sans" panose="020B0502020104020203" pitchFamily="34" charset="-79"/>
+                <a:ea typeface="ヒラギノ角ゴ ProN W3" pitchFamily="2" charset="-128"/>
+                <a:sym typeface="Gill Sans" panose="020B0502020104020203" pitchFamily="34" charset="-79"/>
+              </a:defRPr>
+            </a:lvl9pPr>
+          </a:lstStyle>
+          <a:p>
+            <a:pPr algn="ctr" eaLnBrk="1" hangingPunct="1"/>
+            <a:endParaRPr lang="en-US" altLang="en-US" sz="2700"/>
+          </a:p>
+        </p:txBody>
+      </p:sp>
+      <p:sp>
+        <p:nvSpPr>
+          <p:cNvPr id="113667" name="Rectangle 2">
+            <a:extLst>
+              <a:ext uri="{FF2B5EF4-FFF2-40B4-BE49-F238E27FC236}">
+                <a16:creationId xmlns:a16="http://schemas.microsoft.com/office/drawing/2014/main" id="{D773AACD-B077-DADA-2F93-DF69AEB45A68}"/>
+              </a:ext>
+            </a:extLst>
+          </p:cNvPr>
+          <p:cNvSpPr>
+            <a:spLocks noGrp="1" noChangeArrowheads="1"/>
+          </p:cNvSpPr>
+          <p:nvPr>
+            <p:ph type="title"/>
+          </p:nvPr>
+        </p:nvSpPr>
+        <p:spPr/>
+        <p:txBody>
+          <a:bodyPr>
+            <a:normAutofit fontScale="90000"/>
+          </a:bodyPr>
+          <a:lstStyle/>
+          <a:p>
+            <a:pPr eaLnBrk="1" hangingPunct="1"/>
+            <a:r>
+              <a:rPr lang="en-US" altLang="en-US" sz="5400">
                 <a:solidFill>
                   <a:srgbClr val="FFCC66"/>
                 </a:solidFill>
               </a:rPr>
-              <a:t>Acknowledgements / Contributions</a:t>
-            </a:r>
-            <a:endParaRPr lang="en-US"/>
-          </a:p>
-        </p:txBody>
-      </p:sp>
-      <p:sp>
-        <p:nvSpPr>
-          <p:cNvPr id="13" name="TextBox 12"/>
-          <p:cNvSpPr txBox="1"/>
+              <a:t>B-Trees</a:t>
+            </a:r>
+          </a:p>
+        </p:txBody>
+      </p:sp>
+      <p:sp>
+        <p:nvSpPr>
+          <p:cNvPr id="113668" name="Rectangle 3">
+            <a:extLst>
+              <a:ext uri="{FF2B5EF4-FFF2-40B4-BE49-F238E27FC236}">
+                <a16:creationId xmlns:a16="http://schemas.microsoft.com/office/drawing/2014/main" id="{10D028C1-C276-FA02-1A9E-D309CCF7006B}"/>
+              </a:ext>
+            </a:extLst>
+          </p:cNvPr>
+          <p:cNvSpPr>
+            <a:spLocks/>
+          </p:cNvSpPr>
           <p:nvPr/>
         </p:nvSpPr>
-        <p:spPr>
-          <a:xfrm>
-            <a:off x="542924" y="1100138"/>
-            <a:ext cx="5486401" cy="4893647"/>
+        <p:spPr bwMode="auto">
+          <a:xfrm>
+            <a:off x="7142060" y="5971230"/>
+            <a:ext cx="4507516" cy="392415"/>
           </a:xfrm>
           <a:prstGeom prst="rect">
             <a:avLst/>
           </a:prstGeom>
           <a:noFill/>
-        </p:spPr>
-        <p:txBody>
-          <a:bodyPr wrap="square" rtlCol="0">
+          <a:ln>
+            <a:noFill/>
+          </a:ln>
+          <a:extLst>
+            <a:ext uri="{909E8E84-426E-40DD-AFC4-6F175D3DCCD1}">
+              <a14:hiddenFill xmlns:a14="http://schemas.microsoft.com/office/drawing/2010/main">
+                <a:solidFill>
+                  <a:srgbClr val="FFFFFF"/>
+                </a:solidFill>
+              </a14:hiddenFill>
+            </a:ext>
+            <a:ext uri="{91240B29-F687-4F45-9708-019B960494DF}">
+              <a14:hiddenLine xmlns:a14="http://schemas.microsoft.com/office/drawing/2010/main" w="12700">
+                <a:solidFill>
+                  <a:srgbClr val="000000"/>
+                </a:solidFill>
+                <a:miter lim="800000"/>
+                <a:headEnd/>
+                <a:tailEnd/>
+              </a14:hiddenLine>
+            </a:ext>
+          </a:extLst>
+        </p:spPr>
+        <p:txBody>
+          <a:bodyPr wrap="none" lIns="0" tIns="0" rIns="0" bIns="0" anchor="ctr">
             <a:spAutoFit/>
           </a:bodyPr>
-          <a:lstStyle/>
-          <a:p>
-            <a:r>
-              <a:rPr lang="en-US" sz="1400" dirty="0">
+          <a:lstStyle>
+            <a:lvl1pPr>
+              <a:defRPr sz="3600">
                 <a:solidFill>
-                  <a:schemeClr val="bg1"/>
+                  <a:srgbClr val="FFFFFF"/>
                 </a:solidFill>
+                <a:latin typeface="Gill Sans" panose="020B0502020104020203" pitchFamily="34" charset="-79"/>
+                <a:ea typeface="ヒラギノ角ゴ ProN W3" pitchFamily="2" charset="-128"/>
+                <a:sym typeface="Gill Sans" panose="020B0502020104020203" pitchFamily="34" charset="-79"/>
+              </a:defRPr>
+            </a:lvl1pPr>
+            <a:lvl2pPr marL="742950" indent="-285750">
+              <a:defRPr sz="3600">
+                <a:solidFill>
+                  <a:srgbClr val="FFFFFF"/>
+                </a:solidFill>
+                <a:latin typeface="Gill Sans" panose="020B0502020104020203" pitchFamily="34" charset="-79"/>
+                <a:ea typeface="ヒラギノ角ゴ ProN W3" pitchFamily="2" charset="-128"/>
+                <a:sym typeface="Gill Sans" panose="020B0502020104020203" pitchFamily="34" charset="-79"/>
+              </a:defRPr>
+            </a:lvl2pPr>
+            <a:lvl3pPr marL="1143000" indent="-228600">
+              <a:defRPr sz="3600">
+                <a:solidFill>
+                  <a:srgbClr val="FFFFFF"/>
+                </a:solidFill>
+                <a:latin typeface="Gill Sans" panose="020B0502020104020203" pitchFamily="34" charset="-79"/>
+                <a:ea typeface="ヒラギノ角ゴ ProN W3" pitchFamily="2" charset="-128"/>
+                <a:sym typeface="Gill Sans" panose="020B0502020104020203" pitchFamily="34" charset="-79"/>
+              </a:defRPr>
+            </a:lvl3pPr>
+            <a:lvl4pPr marL="1600200" indent="-228600">
+              <a:defRPr sz="3600">
+                <a:solidFill>
+                  <a:srgbClr val="FFFFFF"/>
+                </a:solidFill>
+                <a:latin typeface="Gill Sans" panose="020B0502020104020203" pitchFamily="34" charset="-79"/>
+                <a:ea typeface="ヒラギノ角ゴ ProN W3" pitchFamily="2" charset="-128"/>
+                <a:sym typeface="Gill Sans" panose="020B0502020104020203" pitchFamily="34" charset="-79"/>
+              </a:defRPr>
+            </a:lvl4pPr>
+            <a:lvl5pPr marL="2057400" indent="-228600">
+              <a:defRPr sz="3600">
+                <a:solidFill>
+                  <a:srgbClr val="FFFFFF"/>
+                </a:solidFill>
+                <a:latin typeface="Gill Sans" panose="020B0502020104020203" pitchFamily="34" charset="-79"/>
+                <a:ea typeface="ヒラギノ角ゴ ProN W3" pitchFamily="2" charset="-128"/>
+                <a:sym typeface="Gill Sans" panose="020B0502020104020203" pitchFamily="34" charset="-79"/>
+              </a:defRPr>
+            </a:lvl5pPr>
+            <a:lvl6pPr marL="2514600" indent="-228600" eaLnBrk="0" fontAlgn="base" hangingPunct="0">
+              <a:spcBef>
+                <a:spcPct val="0"/>
+              </a:spcBef>
+              <a:spcAft>
+                <a:spcPct val="0"/>
+              </a:spcAft>
+              <a:defRPr sz="3600">
+                <a:solidFill>
+                  <a:srgbClr val="FFFFFF"/>
+                </a:solidFill>
+                <a:latin typeface="Gill Sans" panose="020B0502020104020203" pitchFamily="34" charset="-79"/>
+                <a:ea typeface="ヒラギノ角ゴ ProN W3" pitchFamily="2" charset="-128"/>
+                <a:sym typeface="Gill Sans" panose="020B0502020104020203" pitchFamily="34" charset="-79"/>
+              </a:defRPr>
+            </a:lvl6pPr>
+            <a:lvl7pPr marL="2971800" indent="-228600" eaLnBrk="0" fontAlgn="base" hangingPunct="0">
+              <a:spcBef>
+                <a:spcPct val="0"/>
+              </a:spcBef>
+              <a:spcAft>
+                <a:spcPct val="0"/>
+              </a:spcAft>
+              <a:defRPr sz="3600">
+                <a:solidFill>
+                  <a:srgbClr val="FFFFFF"/>
+                </a:solidFill>
+                <a:latin typeface="Gill Sans" panose="020B0502020104020203" pitchFamily="34" charset="-79"/>
+                <a:ea typeface="ヒラギノ角ゴ ProN W3" pitchFamily="2" charset="-128"/>
+                <a:sym typeface="Gill Sans" panose="020B0502020104020203" pitchFamily="34" charset="-79"/>
+              </a:defRPr>
+            </a:lvl7pPr>
+            <a:lvl8pPr marL="3429000" indent="-228600" eaLnBrk="0" fontAlgn="base" hangingPunct="0">
+              <a:spcBef>
+                <a:spcPct val="0"/>
+              </a:spcBef>
+              <a:spcAft>
+                <a:spcPct val="0"/>
+              </a:spcAft>
+              <a:defRPr sz="3600">
+                <a:solidFill>
+                  <a:srgbClr val="FFFFFF"/>
+                </a:solidFill>
+                <a:latin typeface="Gill Sans" panose="020B0502020104020203" pitchFamily="34" charset="-79"/>
+                <a:ea typeface="ヒラギノ角ゴ ProN W3" pitchFamily="2" charset="-128"/>
+                <a:sym typeface="Gill Sans" panose="020B0502020104020203" pitchFamily="34" charset="-79"/>
+              </a:defRPr>
+            </a:lvl8pPr>
+            <a:lvl9pPr marL="3886200" indent="-228600" eaLnBrk="0" fontAlgn="base" hangingPunct="0">
+              <a:spcBef>
+                <a:spcPct val="0"/>
+              </a:spcBef>
+              <a:spcAft>
+                <a:spcPct val="0"/>
+              </a:spcAft>
+              <a:defRPr sz="3600">
+                <a:solidFill>
+                  <a:srgbClr val="FFFFFF"/>
+                </a:solidFill>
+                <a:latin typeface="Gill Sans" panose="020B0502020104020203" pitchFamily="34" charset="-79"/>
+                <a:ea typeface="ヒラギノ角ゴ ProN W3" pitchFamily="2" charset="-128"/>
+                <a:sym typeface="Gill Sans" panose="020B0502020104020203" pitchFamily="34" charset="-79"/>
+              </a:defRPr>
+            </a:lvl9pPr>
+          </a:lstStyle>
+          <a:p>
+            <a:pPr algn="ctr" eaLnBrk="1" hangingPunct="1"/>
+            <a:r>
+              <a:rPr lang="en-US" altLang="en-US" sz="2550">
+                <a:solidFill>
+                  <a:srgbClr val="FFFF00"/>
+                </a:solidFill>
+                <a:ea typeface="MS PGothic" panose="020B0600070205080204" pitchFamily="34" charset="-128"/>
               </a:rPr>
-              <a:t>These slides are Copyright 2019-  Charles R. Severance (</a:t>
-            </a:r>
-            <a:r>
-              <a:rPr lang="en-US" sz="1400" dirty="0" err="1">
+              <a:t>http://en.wikipedia.org/wiki/B-tree</a:t>
+            </a:r>
+          </a:p>
+        </p:txBody>
+      </p:sp>
+      <p:sp>
+        <p:nvSpPr>
+          <p:cNvPr id="113669" name="Rectangle 4">
+            <a:extLst>
+              <a:ext uri="{FF2B5EF4-FFF2-40B4-BE49-F238E27FC236}">
+                <a16:creationId xmlns:a16="http://schemas.microsoft.com/office/drawing/2014/main" id="{E5C6DB5A-FACB-C85B-BA79-F9B9766F98F6}"/>
+              </a:ext>
+            </a:extLst>
+          </p:cNvPr>
+          <p:cNvSpPr>
+            <a:spLocks/>
+          </p:cNvSpPr>
+          <p:nvPr/>
+        </p:nvSpPr>
+        <p:spPr bwMode="auto">
+          <a:xfrm>
+            <a:off x="1238251" y="1771650"/>
+            <a:ext cx="9736931" cy="1600200"/>
+          </a:xfrm>
+          <a:prstGeom prst="rect">
+            <a:avLst/>
+          </a:prstGeom>
+          <a:noFill/>
+          <a:ln>
+            <a:noFill/>
+          </a:ln>
+          <a:extLst>
+            <a:ext uri="{909E8E84-426E-40DD-AFC4-6F175D3DCCD1}">
+              <a14:hiddenFill xmlns:a14="http://schemas.microsoft.com/office/drawing/2010/main">
                 <a:solidFill>
-                  <a:schemeClr val="bg1"/>
+                  <a:srgbClr val="FFFFFF"/>
                 </a:solidFill>
+              </a14:hiddenFill>
+            </a:ext>
+            <a:ext uri="{91240B29-F687-4F45-9708-019B960494DF}">
+              <a14:hiddenLine xmlns:a14="http://schemas.microsoft.com/office/drawing/2010/main" w="12700">
+                <a:solidFill>
+                  <a:srgbClr val="000000"/>
+                </a:solidFill>
+                <a:miter lim="800000"/>
+                <a:headEnd/>
+                <a:tailEnd/>
+              </a14:hiddenLine>
+            </a:ext>
+          </a:extLst>
+        </p:spPr>
+        <p:txBody>
+          <a:bodyPr lIns="0" tIns="0" rIns="0" bIns="0" anchor="ctr"/>
+          <a:lstStyle>
+            <a:lvl1pPr>
+              <a:defRPr sz="3600">
+                <a:solidFill>
+                  <a:srgbClr val="FFFFFF"/>
+                </a:solidFill>
+                <a:latin typeface="Gill Sans" panose="020B0502020104020203" pitchFamily="34" charset="-79"/>
+                <a:ea typeface="ヒラギノ角ゴ ProN W3" pitchFamily="2" charset="-128"/>
+                <a:sym typeface="Gill Sans" panose="020B0502020104020203" pitchFamily="34" charset="-79"/>
+              </a:defRPr>
+            </a:lvl1pPr>
+            <a:lvl2pPr marL="742950" indent="-285750">
+              <a:defRPr sz="3600">
+                <a:solidFill>
+                  <a:srgbClr val="FFFFFF"/>
+                </a:solidFill>
+                <a:latin typeface="Gill Sans" panose="020B0502020104020203" pitchFamily="34" charset="-79"/>
+                <a:ea typeface="ヒラギノ角ゴ ProN W3" pitchFamily="2" charset="-128"/>
+                <a:sym typeface="Gill Sans" panose="020B0502020104020203" pitchFamily="34" charset="-79"/>
+              </a:defRPr>
+            </a:lvl2pPr>
+            <a:lvl3pPr marL="1143000" indent="-228600">
+              <a:defRPr sz="3600">
+                <a:solidFill>
+                  <a:srgbClr val="FFFFFF"/>
+                </a:solidFill>
+                <a:latin typeface="Gill Sans" panose="020B0502020104020203" pitchFamily="34" charset="-79"/>
+                <a:ea typeface="ヒラギノ角ゴ ProN W3" pitchFamily="2" charset="-128"/>
+                <a:sym typeface="Gill Sans" panose="020B0502020104020203" pitchFamily="34" charset="-79"/>
+              </a:defRPr>
+            </a:lvl3pPr>
+            <a:lvl4pPr marL="1600200" indent="-228600">
+              <a:defRPr sz="3600">
+                <a:solidFill>
+                  <a:srgbClr val="FFFFFF"/>
+                </a:solidFill>
+                <a:latin typeface="Gill Sans" panose="020B0502020104020203" pitchFamily="34" charset="-79"/>
+                <a:ea typeface="ヒラギノ角ゴ ProN W3" pitchFamily="2" charset="-128"/>
+                <a:sym typeface="Gill Sans" panose="020B0502020104020203" pitchFamily="34" charset="-79"/>
+              </a:defRPr>
+            </a:lvl4pPr>
+            <a:lvl5pPr marL="2057400" indent="-228600">
+              <a:defRPr sz="3600">
+                <a:solidFill>
+                  <a:srgbClr val="FFFFFF"/>
+                </a:solidFill>
+                <a:latin typeface="Gill Sans" panose="020B0502020104020203" pitchFamily="34" charset="-79"/>
+                <a:ea typeface="ヒラギノ角ゴ ProN W3" pitchFamily="2" charset="-128"/>
+                <a:sym typeface="Gill Sans" panose="020B0502020104020203" pitchFamily="34" charset="-79"/>
+              </a:defRPr>
+            </a:lvl5pPr>
+            <a:lvl6pPr marL="2514600" indent="-228600" eaLnBrk="0" fontAlgn="base" hangingPunct="0">
+              <a:spcBef>
+                <a:spcPct val="0"/>
+              </a:spcBef>
+              <a:spcAft>
+                <a:spcPct val="0"/>
+              </a:spcAft>
+              <a:defRPr sz="3600">
+                <a:solidFill>
+                  <a:srgbClr val="FFFFFF"/>
+                </a:solidFill>
+                <a:latin typeface="Gill Sans" panose="020B0502020104020203" pitchFamily="34" charset="-79"/>
+                <a:ea typeface="ヒラギノ角ゴ ProN W3" pitchFamily="2" charset="-128"/>
+                <a:sym typeface="Gill Sans" panose="020B0502020104020203" pitchFamily="34" charset="-79"/>
+              </a:defRPr>
+            </a:lvl6pPr>
+            <a:lvl7pPr marL="2971800" indent="-228600" eaLnBrk="0" fontAlgn="base" hangingPunct="0">
+              <a:spcBef>
+                <a:spcPct val="0"/>
+              </a:spcBef>
+              <a:spcAft>
+                <a:spcPct val="0"/>
+              </a:spcAft>
+              <a:defRPr sz="3600">
+                <a:solidFill>
+                  <a:srgbClr val="FFFFFF"/>
+                </a:solidFill>
+                <a:latin typeface="Gill Sans" panose="020B0502020104020203" pitchFamily="34" charset="-79"/>
+                <a:ea typeface="ヒラギノ角ゴ ProN W3" pitchFamily="2" charset="-128"/>
+                <a:sym typeface="Gill Sans" panose="020B0502020104020203" pitchFamily="34" charset="-79"/>
+              </a:defRPr>
+            </a:lvl7pPr>
+            <a:lvl8pPr marL="3429000" indent="-228600" eaLnBrk="0" fontAlgn="base" hangingPunct="0">
+              <a:spcBef>
+                <a:spcPct val="0"/>
+              </a:spcBef>
+              <a:spcAft>
+                <a:spcPct val="0"/>
+              </a:spcAft>
+              <a:defRPr sz="3600">
+                <a:solidFill>
+                  <a:srgbClr val="FFFFFF"/>
+                </a:solidFill>
+                <a:latin typeface="Gill Sans" panose="020B0502020104020203" pitchFamily="34" charset="-79"/>
+                <a:ea typeface="ヒラギノ角ゴ ProN W3" pitchFamily="2" charset="-128"/>
+                <a:sym typeface="Gill Sans" panose="020B0502020104020203" pitchFamily="34" charset="-79"/>
+              </a:defRPr>
+            </a:lvl8pPr>
+            <a:lvl9pPr marL="3886200" indent="-228600" eaLnBrk="0" fontAlgn="base" hangingPunct="0">
+              <a:spcBef>
+                <a:spcPct val="0"/>
+              </a:spcBef>
+              <a:spcAft>
+                <a:spcPct val="0"/>
+              </a:spcAft>
+              <a:defRPr sz="3600">
+                <a:solidFill>
+                  <a:srgbClr val="FFFFFF"/>
+                </a:solidFill>
+                <a:latin typeface="Gill Sans" panose="020B0502020104020203" pitchFamily="34" charset="-79"/>
+                <a:ea typeface="ヒラギノ角ゴ ProN W3" pitchFamily="2" charset="-128"/>
+                <a:sym typeface="Gill Sans" panose="020B0502020104020203" pitchFamily="34" charset="-79"/>
+              </a:defRPr>
+            </a:lvl9pPr>
+          </a:lstStyle>
+          <a:p>
+            <a:pPr algn="ctr" eaLnBrk="1" hangingPunct="1"/>
+            <a:r>
+              <a:rPr lang="en-US" altLang="en-US" sz="2625" i="1">
+                <a:solidFill>
+                  <a:schemeClr val="tx1"/>
+                </a:solidFill>
+                <a:ea typeface="MS PGothic" panose="020B0600070205080204" pitchFamily="34" charset="-128"/>
               </a:rPr>
-              <a:t>www.dr-chuck.com</a:t>
-            </a:r>
-            <a:r>
-              <a:rPr lang="en-US" sz="1400" dirty="0">
+              <a:t>A B-tree is a tree data structure that keeps data sorted and allows searches, sequential access, insertions, and deletions in logarithmic amortized time.  The B-tree is optimized for systems that read and write large blocks of data.  It is commonly used in databases and file systems.</a:t>
+            </a:r>
+          </a:p>
+        </p:txBody>
+      </p:sp>
+      <p:pic>
+        <p:nvPicPr>
+          <p:cNvPr id="113670" name="Picture 5">
+            <a:extLst>
+              <a:ext uri="{FF2B5EF4-FFF2-40B4-BE49-F238E27FC236}">
+                <a16:creationId xmlns:a16="http://schemas.microsoft.com/office/drawing/2014/main" id="{8128BE0B-B115-05D3-6D4E-1377A47FA628}"/>
+              </a:ext>
+            </a:extLst>
+          </p:cNvPr>
+          <p:cNvPicPr>
+            <a:picLocks noChangeAspect="1" noChangeArrowheads="1"/>
+          </p:cNvPicPr>
+          <p:nvPr/>
+        </p:nvPicPr>
+        <p:blipFill>
+          <a:blip r:embed="rId3">
+            <a:extLst>
+              <a:ext uri="{28A0092B-C50C-407E-A947-70E740481C1C}">
+                <a14:useLocalDpi xmlns:a14="http://schemas.microsoft.com/office/drawing/2010/main" val="0"/>
+              </a:ext>
+            </a:extLst>
+          </a:blip>
+          <a:srcRect/>
+          <a:stretch>
+            <a:fillRect/>
+          </a:stretch>
+        </p:blipFill>
+        <p:spPr bwMode="auto">
+          <a:xfrm>
+            <a:off x="3086100" y="3914776"/>
+            <a:ext cx="6010275" cy="1670447"/>
+          </a:xfrm>
+          <a:prstGeom prst="rect">
+            <a:avLst/>
+          </a:prstGeom>
+          <a:noFill/>
+          <a:ln>
+            <a:noFill/>
+          </a:ln>
+          <a:extLst>
+            <a:ext uri="{909E8E84-426E-40DD-AFC4-6F175D3DCCD1}">
+              <a14:hiddenFill xmlns:a14="http://schemas.microsoft.com/office/drawing/2010/main">
                 <a:solidFill>
-                  <a:schemeClr val="bg1"/>
+                  <a:srgbClr val="FFFFFF"/>
                 </a:solidFill>
-              </a:rPr>
-              <a:t>) as part of www.pg4e.com and made available under a Creative Commons Attribution 4.0 License.  Please maintain this last slide in all copies of the document to comply with the attribution requirements of the license.  If you make a change, feel free to add your name and organization to the list of contributors on this page as you republish the materials.</a:t>
-            </a:r>
-          </a:p>
-          <a:p>
-            <a:endParaRPr lang="en-US" sz="1400" dirty="0">
-              <a:solidFill>
-                <a:schemeClr val="bg1"/>
-              </a:solidFill>
-            </a:endParaRPr>
-          </a:p>
-          <a:p>
-            <a:r>
-              <a:rPr lang="en-US" sz="1400" dirty="0">
+              </a14:hiddenFill>
+            </a:ext>
+            <a:ext uri="{91240B29-F687-4F45-9708-019B960494DF}">
+              <a14:hiddenLine xmlns:a14="http://schemas.microsoft.com/office/drawing/2010/main" w="12700">
                 <a:solidFill>
-                  <a:schemeClr val="bg1"/>
+                  <a:srgbClr val="000000"/>
                 </a:solidFill>
-              </a:rPr>
-              <a:t>Initial Development: Charles R. Severance, University of Michigan School of Information</a:t>
-            </a:r>
-          </a:p>
-          <a:p>
-            <a:endParaRPr lang="en-US" sz="1400" dirty="0">
-              <a:solidFill>
-                <a:schemeClr val="bg1"/>
-              </a:solidFill>
-            </a:endParaRPr>
-          </a:p>
-          <a:p>
-            <a:r>
-              <a:rPr lang="en-US" sz="1400" dirty="0">
-                <a:solidFill>
-                  <a:srgbClr val="FFCC66"/>
-                </a:solidFill>
-              </a:rPr>
-              <a:t>Insert new Contributors and Translators here including names and dates</a:t>
-            </a:r>
-          </a:p>
-          <a:p>
-            <a:endParaRPr lang="en-US" dirty="0">
-              <a:solidFill>
-                <a:schemeClr val="bg1"/>
-              </a:solidFill>
-            </a:endParaRPr>
-          </a:p>
-          <a:p>
-            <a:endParaRPr lang="en-US" dirty="0">
-              <a:solidFill>
-                <a:schemeClr val="bg1"/>
-              </a:solidFill>
-            </a:endParaRPr>
-          </a:p>
-          <a:p>
-            <a:endParaRPr lang="en-US" dirty="0">
-              <a:solidFill>
-                <a:schemeClr val="bg1"/>
-              </a:solidFill>
-            </a:endParaRPr>
-          </a:p>
-          <a:p>
-            <a:endParaRPr lang="en-US" dirty="0">
-              <a:solidFill>
-                <a:schemeClr val="bg1"/>
-              </a:solidFill>
-            </a:endParaRPr>
-          </a:p>
-          <a:p>
-            <a:endParaRPr lang="en-US" dirty="0">
-              <a:solidFill>
-                <a:schemeClr val="bg1"/>
-              </a:solidFill>
-            </a:endParaRPr>
-          </a:p>
-          <a:p>
-            <a:endParaRPr lang="en-US" dirty="0">
-              <a:solidFill>
-                <a:schemeClr val="bg1"/>
-              </a:solidFill>
-            </a:endParaRPr>
-          </a:p>
-          <a:p>
-            <a:endParaRPr lang="en-US" dirty="0">
-              <a:solidFill>
-                <a:schemeClr val="bg1"/>
-              </a:solidFill>
-            </a:endParaRPr>
-          </a:p>
-          <a:p>
-            <a:endParaRPr lang="en-US" dirty="0">
-              <a:solidFill>
-                <a:schemeClr val="bg1"/>
-              </a:solidFill>
-            </a:endParaRPr>
-          </a:p>
-        </p:txBody>
-      </p:sp>
-      <p:sp>
-        <p:nvSpPr>
-          <p:cNvPr id="14" name="TextBox 13"/>
-          <p:cNvSpPr txBox="1"/>
-          <p:nvPr/>
-        </p:nvSpPr>
-        <p:spPr>
-          <a:xfrm>
-            <a:off x="6267449" y="1100137"/>
-            <a:ext cx="5486401" cy="2523768"/>
-          </a:xfrm>
-          <a:prstGeom prst="rect">
-            <a:avLst/>
-          </a:prstGeom>
-          <a:noFill/>
-        </p:spPr>
-        <p:txBody>
-          <a:bodyPr wrap="square" rtlCol="0">
-            <a:spAutoFit/>
-          </a:bodyPr>
-          <a:lstStyle/>
-          <a:p>
-            <a:r>
-              <a:rPr lang="en-US" sz="1400" dirty="0">
-                <a:solidFill>
-                  <a:srgbClr val="FFCC66"/>
-                </a:solidFill>
-              </a:rPr>
-              <a:t>Continue new Contributors and Translators here</a:t>
-            </a:r>
-          </a:p>
-          <a:p>
-            <a:endParaRPr lang="en-US" dirty="0">
-              <a:solidFill>
-                <a:schemeClr val="bg1"/>
-              </a:solidFill>
-            </a:endParaRPr>
-          </a:p>
-          <a:p>
-            <a:endParaRPr lang="en-US" dirty="0">
-              <a:solidFill>
-                <a:schemeClr val="bg1"/>
-              </a:solidFill>
-            </a:endParaRPr>
-          </a:p>
-          <a:p>
-            <a:endParaRPr lang="en-US" dirty="0">
-              <a:solidFill>
-                <a:schemeClr val="bg1"/>
-              </a:solidFill>
-            </a:endParaRPr>
-          </a:p>
-          <a:p>
-            <a:endParaRPr lang="en-US" dirty="0">
-              <a:solidFill>
-                <a:schemeClr val="bg1"/>
-              </a:solidFill>
-            </a:endParaRPr>
-          </a:p>
-          <a:p>
-            <a:endParaRPr lang="en-US" dirty="0">
-              <a:solidFill>
-                <a:schemeClr val="bg1"/>
-              </a:solidFill>
-            </a:endParaRPr>
-          </a:p>
-          <a:p>
-            <a:endParaRPr lang="en-US" dirty="0">
-              <a:solidFill>
-                <a:schemeClr val="bg1"/>
-              </a:solidFill>
-            </a:endParaRPr>
-          </a:p>
-          <a:p>
-            <a:endParaRPr lang="en-US" dirty="0">
-              <a:solidFill>
-                <a:schemeClr val="bg1"/>
-              </a:solidFill>
-            </a:endParaRPr>
-          </a:p>
-          <a:p>
-            <a:endParaRPr lang="en-US" dirty="0">
-              <a:solidFill>
-                <a:schemeClr val="bg1"/>
-              </a:solidFill>
-            </a:endParaRPr>
-          </a:p>
-        </p:txBody>
-      </p:sp>
+                <a:miter lim="800000"/>
+                <a:headEnd/>
+                <a:tailEnd/>
+              </a14:hiddenLine>
+            </a:ext>
+          </a:extLst>
+        </p:spPr>
+      </p:pic>
     </p:spTree>
-    <p:extLst>
-      <p:ext uri="{BB962C8B-B14F-4D97-AF65-F5344CB8AC3E}">
-        <p14:creationId xmlns:p14="http://schemas.microsoft.com/office/powerpoint/2010/main" val="853015238"/>
-      </p:ext>
-    </p:extLst>
   </p:cSld>
   <p:clrMapOvr>
     <a:masterClrMapping/>
@@ -5274,6 +7427,368 @@
     <p:extLst>
       <p:ext uri="{BB962C8B-B14F-4D97-AF65-F5344CB8AC3E}">
         <p14:creationId xmlns:p14="http://schemas.microsoft.com/office/powerpoint/2010/main" val="585169359"/>
+      </p:ext>
+    </p:extLst>
+  </p:cSld>
+  <p:clrMapOvr>
+    <a:masterClrMapping/>
+  </p:clrMapOvr>
+</p:sld>
+</file>
+
+<file path=ppt/slides/slide20.xml><?xml version="1.0" encoding="utf-8"?>
+<p:sld xmlns:a="http://schemas.openxmlformats.org/drawingml/2006/main" xmlns:r="http://schemas.openxmlformats.org/officeDocument/2006/relationships" xmlns:p="http://schemas.openxmlformats.org/presentationml/2006/main">
+  <p:cSld>
+    <p:spTree>
+      <p:nvGrpSpPr>
+        <p:cNvPr id="1" name=""/>
+        <p:cNvGrpSpPr/>
+        <p:nvPr/>
+      </p:nvGrpSpPr>
+      <p:grpSpPr>
+        <a:xfrm>
+          <a:off x="0" y="0"/>
+          <a:ext cx="0" cy="0"/>
+          <a:chOff x="0" y="0"/>
+          <a:chExt cx="0" cy="0"/>
+        </a:xfrm>
+      </p:grpSpPr>
+      <p:sp>
+        <p:nvSpPr>
+          <p:cNvPr id="2" name="Title 1"/>
+          <p:cNvSpPr>
+            <a:spLocks noGrp="1"/>
+          </p:cNvSpPr>
+          <p:nvPr>
+            <p:ph type="title"/>
+          </p:nvPr>
+        </p:nvSpPr>
+        <p:spPr/>
+        <p:txBody>
+          <a:bodyPr/>
+          <a:lstStyle/>
+          <a:p>
+            <a:r>
+              <a:rPr lang="en-US" dirty="0"/>
+              <a:t>Summary</a:t>
+            </a:r>
+          </a:p>
+        </p:txBody>
+      </p:sp>
+      <p:sp>
+        <p:nvSpPr>
+          <p:cNvPr id="3" name="Content Placeholder 2"/>
+          <p:cNvSpPr>
+            <a:spLocks noGrp="1"/>
+          </p:cNvSpPr>
+          <p:nvPr>
+            <p:ph idx="1"/>
+          </p:nvPr>
+        </p:nvSpPr>
+        <p:spPr/>
+        <p:txBody>
+          <a:bodyPr/>
+          <a:lstStyle/>
+          <a:p>
+            <a:endParaRPr lang="en-US" dirty="0"/>
+          </a:p>
+        </p:txBody>
+      </p:sp>
+    </p:spTree>
+    <p:extLst>
+      <p:ext uri="{BB962C8B-B14F-4D97-AF65-F5344CB8AC3E}">
+        <p14:creationId xmlns:p14="http://schemas.microsoft.com/office/powerpoint/2010/main" val="572890213"/>
+      </p:ext>
+    </p:extLst>
+  </p:cSld>
+  <p:clrMapOvr>
+    <a:masterClrMapping/>
+  </p:clrMapOvr>
+</p:sld>
+</file>
+
+<file path=ppt/slides/slide21.xml><?xml version="1.0" encoding="utf-8"?>
+<p:sld xmlns:a="http://schemas.openxmlformats.org/drawingml/2006/main" xmlns:r="http://schemas.openxmlformats.org/officeDocument/2006/relationships" xmlns:p="http://schemas.openxmlformats.org/presentationml/2006/main">
+  <p:cSld>
+    <p:spTree>
+      <p:nvGrpSpPr>
+        <p:cNvPr id="1" name=""/>
+        <p:cNvGrpSpPr/>
+        <p:nvPr/>
+      </p:nvGrpSpPr>
+      <p:grpSpPr>
+        <a:xfrm>
+          <a:off x="0" y="0"/>
+          <a:ext cx="0" cy="0"/>
+          <a:chOff x="0" y="0"/>
+          <a:chExt cx="0" cy="0"/>
+        </a:xfrm>
+      </p:grpSpPr>
+      <p:sp>
+        <p:nvSpPr>
+          <p:cNvPr id="12" name="Rectangle 11"/>
+          <p:cNvSpPr/>
+          <p:nvPr/>
+        </p:nvSpPr>
+        <p:spPr>
+          <a:xfrm>
+            <a:off x="3986697" y="458272"/>
+            <a:ext cx="3504229" cy="369332"/>
+          </a:xfrm>
+          <a:prstGeom prst="rect">
+            <a:avLst/>
+          </a:prstGeom>
+        </p:spPr>
+        <p:txBody>
+          <a:bodyPr wrap="none">
+            <a:spAutoFit/>
+          </a:bodyPr>
+          <a:lstStyle/>
+          <a:p>
+            <a:r>
+              <a:rPr lang="en-US" altLang="en-US">
+                <a:solidFill>
+                  <a:srgbClr val="FFCC66"/>
+                </a:solidFill>
+              </a:rPr>
+              <a:t>Acknowledgements / Contributions</a:t>
+            </a:r>
+            <a:endParaRPr lang="en-US"/>
+          </a:p>
+        </p:txBody>
+      </p:sp>
+      <p:sp>
+        <p:nvSpPr>
+          <p:cNvPr id="13" name="TextBox 12"/>
+          <p:cNvSpPr txBox="1"/>
+          <p:nvPr/>
+        </p:nvSpPr>
+        <p:spPr>
+          <a:xfrm>
+            <a:off x="542924" y="1100138"/>
+            <a:ext cx="5486401" cy="4893647"/>
+          </a:xfrm>
+          <a:prstGeom prst="rect">
+            <a:avLst/>
+          </a:prstGeom>
+          <a:noFill/>
+        </p:spPr>
+        <p:txBody>
+          <a:bodyPr wrap="square" rtlCol="0">
+            <a:spAutoFit/>
+          </a:bodyPr>
+          <a:lstStyle/>
+          <a:p>
+            <a:r>
+              <a:rPr lang="en-US" sz="1400" dirty="0">
+                <a:solidFill>
+                  <a:schemeClr val="bg1"/>
+                </a:solidFill>
+              </a:rPr>
+              <a:t>These slides are Copyright 2019-  Charles R. Severance (</a:t>
+            </a:r>
+            <a:r>
+              <a:rPr lang="en-US" sz="1400" dirty="0" err="1">
+                <a:solidFill>
+                  <a:schemeClr val="bg1"/>
+                </a:solidFill>
+              </a:rPr>
+              <a:t>www.dr-chuck.com</a:t>
+            </a:r>
+            <a:r>
+              <a:rPr lang="en-US" sz="1400" dirty="0">
+                <a:solidFill>
+                  <a:schemeClr val="bg1"/>
+                </a:solidFill>
+              </a:rPr>
+              <a:t>) as part of www.pg4e.com and made available under a Creative Commons Attribution 4.0 License.  Please maintain this last slide in all copies of the document to comply with the attribution requirements of the license.  If you make a change, feel free to add your name and organization to the list of contributors on this page as you republish the materials.</a:t>
+            </a:r>
+          </a:p>
+          <a:p>
+            <a:endParaRPr lang="en-US" sz="1400" dirty="0">
+              <a:solidFill>
+                <a:schemeClr val="bg1"/>
+              </a:solidFill>
+            </a:endParaRPr>
+          </a:p>
+          <a:p>
+            <a:r>
+              <a:rPr lang="en-US" sz="1400" dirty="0">
+                <a:solidFill>
+                  <a:schemeClr val="bg1"/>
+                </a:solidFill>
+              </a:rPr>
+              <a:t>Initial Development: Charles R. Severance, University of Michigan School of Information</a:t>
+            </a:r>
+          </a:p>
+          <a:p>
+            <a:endParaRPr lang="en-US" sz="1400" dirty="0">
+              <a:solidFill>
+                <a:schemeClr val="bg1"/>
+              </a:solidFill>
+            </a:endParaRPr>
+          </a:p>
+          <a:p>
+            <a:r>
+              <a:rPr lang="en-US" sz="1400" dirty="0">
+                <a:solidFill>
+                  <a:srgbClr val="FFCC66"/>
+                </a:solidFill>
+              </a:rPr>
+              <a:t>Insert new Contributors and Translators here including names and dates</a:t>
+            </a:r>
+          </a:p>
+          <a:p>
+            <a:endParaRPr lang="en-US" dirty="0">
+              <a:solidFill>
+                <a:schemeClr val="bg1"/>
+              </a:solidFill>
+            </a:endParaRPr>
+          </a:p>
+          <a:p>
+            <a:endParaRPr lang="en-US" dirty="0">
+              <a:solidFill>
+                <a:schemeClr val="bg1"/>
+              </a:solidFill>
+            </a:endParaRPr>
+          </a:p>
+          <a:p>
+            <a:endParaRPr lang="en-US" dirty="0">
+              <a:solidFill>
+                <a:schemeClr val="bg1"/>
+              </a:solidFill>
+            </a:endParaRPr>
+          </a:p>
+          <a:p>
+            <a:endParaRPr lang="en-US" dirty="0">
+              <a:solidFill>
+                <a:schemeClr val="bg1"/>
+              </a:solidFill>
+            </a:endParaRPr>
+          </a:p>
+          <a:p>
+            <a:endParaRPr lang="en-US" dirty="0">
+              <a:solidFill>
+                <a:schemeClr val="bg1"/>
+              </a:solidFill>
+            </a:endParaRPr>
+          </a:p>
+          <a:p>
+            <a:endParaRPr lang="en-US" dirty="0">
+              <a:solidFill>
+                <a:schemeClr val="bg1"/>
+              </a:solidFill>
+            </a:endParaRPr>
+          </a:p>
+          <a:p>
+            <a:endParaRPr lang="en-US" dirty="0">
+              <a:solidFill>
+                <a:schemeClr val="bg1"/>
+              </a:solidFill>
+            </a:endParaRPr>
+          </a:p>
+          <a:p>
+            <a:endParaRPr lang="en-US" dirty="0">
+              <a:solidFill>
+                <a:schemeClr val="bg1"/>
+              </a:solidFill>
+            </a:endParaRPr>
+          </a:p>
+        </p:txBody>
+      </p:sp>
+      <p:sp>
+        <p:nvSpPr>
+          <p:cNvPr id="14" name="TextBox 13"/>
+          <p:cNvSpPr txBox="1"/>
+          <p:nvPr/>
+        </p:nvSpPr>
+        <p:spPr>
+          <a:xfrm>
+            <a:off x="6267449" y="1100137"/>
+            <a:ext cx="5486401" cy="2523768"/>
+          </a:xfrm>
+          <a:prstGeom prst="rect">
+            <a:avLst/>
+          </a:prstGeom>
+          <a:noFill/>
+        </p:spPr>
+        <p:txBody>
+          <a:bodyPr wrap="square" rtlCol="0">
+            <a:spAutoFit/>
+          </a:bodyPr>
+          <a:lstStyle/>
+          <a:p>
+            <a:r>
+              <a:rPr lang="en-US" sz="1400" dirty="0">
+                <a:solidFill>
+                  <a:srgbClr val="FFCC66"/>
+                </a:solidFill>
+              </a:rPr>
+              <a:t>Continue new Contributors and Translators here</a:t>
+            </a:r>
+          </a:p>
+          <a:p>
+            <a:endParaRPr lang="en-US" dirty="0">
+              <a:solidFill>
+                <a:schemeClr val="bg1"/>
+              </a:solidFill>
+            </a:endParaRPr>
+          </a:p>
+          <a:p>
+            <a:endParaRPr lang="en-US" dirty="0">
+              <a:solidFill>
+                <a:schemeClr val="bg1"/>
+              </a:solidFill>
+            </a:endParaRPr>
+          </a:p>
+          <a:p>
+            <a:endParaRPr lang="en-US" dirty="0">
+              <a:solidFill>
+                <a:schemeClr val="bg1"/>
+              </a:solidFill>
+            </a:endParaRPr>
+          </a:p>
+          <a:p>
+            <a:endParaRPr lang="en-US" dirty="0">
+              <a:solidFill>
+                <a:schemeClr val="bg1"/>
+              </a:solidFill>
+            </a:endParaRPr>
+          </a:p>
+          <a:p>
+            <a:endParaRPr lang="en-US" dirty="0">
+              <a:solidFill>
+                <a:schemeClr val="bg1"/>
+              </a:solidFill>
+            </a:endParaRPr>
+          </a:p>
+          <a:p>
+            <a:endParaRPr lang="en-US" dirty="0">
+              <a:solidFill>
+                <a:schemeClr val="bg1"/>
+              </a:solidFill>
+            </a:endParaRPr>
+          </a:p>
+          <a:p>
+            <a:endParaRPr lang="en-US" dirty="0">
+              <a:solidFill>
+                <a:schemeClr val="bg1"/>
+              </a:solidFill>
+            </a:endParaRPr>
+          </a:p>
+          <a:p>
+            <a:endParaRPr lang="en-US" dirty="0">
+              <a:solidFill>
+                <a:schemeClr val="bg1"/>
+              </a:solidFill>
+            </a:endParaRPr>
+          </a:p>
+        </p:txBody>
+      </p:sp>
+    </p:spTree>
+    <p:extLst>
+      <p:ext uri="{BB962C8B-B14F-4D97-AF65-F5344CB8AC3E}">
+        <p14:creationId xmlns:p14="http://schemas.microsoft.com/office/powerpoint/2010/main" val="853015238"/>
       </p:ext>
     </p:extLst>
   </p:cSld>
@@ -5616,8 +8131,12 @@
           <a:lstStyle/>
           <a:p>
             <a:r>
-              <a:rPr lang="en-US" dirty="0"/>
-              <a:t>Free / Inexpensive edge caching / serving of static assets</a:t>
+              <a:rPr lang="en-US" b="1" dirty="0"/>
+              <a:t>Free</a:t>
+            </a:r>
+            <a:r>
+              <a:rPr lang="en-US" dirty="0"/>
+              <a:t> / Inexpensive edge caching / serving of static assets</a:t>
             </a:r>
           </a:p>
           <a:p>
@@ -9100,16 +11619,22 @@
         </p:nvSpPr>
         <p:spPr/>
         <p:txBody>
-          <a:bodyPr/>
+          <a:bodyPr>
+            <a:normAutofit fontScale="90000"/>
+          </a:bodyPr>
           <a:lstStyle/>
           <a:p>
+            <a:r>
+              <a:rPr lang="en-US" dirty="0"/>
+              <a:t>My Worries re: </a:t>
+            </a:r>
             <a:r>
               <a:rPr lang="en-US" dirty="0" err="1"/>
               <a:t>CloudFlare</a:t>
             </a:r>
             <a:r>
               <a:rPr lang="en-US" dirty="0"/>
-              <a:t> Workers worries</a:t>
+              <a:t> Workers</a:t>
             </a:r>
           </a:p>
         </p:txBody>
